--- a/Análisis de Datos de Salud para la Detección y Predicción de Enfermedades Respiratorias.pptx
+++ b/Análisis de Datos de Salud para la Detección y Predicción de Enfermedades Respiratorias.pptx
@@ -17,33 +17,32 @@
     <p:sldId id="264" r:id="rId11"/>
     <p:sldId id="265" r:id="rId12"/>
     <p:sldId id="272" r:id="rId13"/>
-    <p:sldId id="273" r:id="rId14"/>
-    <p:sldId id="274" r:id="rId15"/>
-    <p:sldId id="275" r:id="rId16"/>
-    <p:sldId id="276" r:id="rId17"/>
-    <p:sldId id="266" r:id="rId18"/>
-    <p:sldId id="267" r:id="rId19"/>
-    <p:sldId id="268" r:id="rId20"/>
-    <p:sldId id="269" r:id="rId21"/>
-    <p:sldId id="270" r:id="rId22"/>
+    <p:sldId id="274" r:id="rId14"/>
+    <p:sldId id="275" r:id="rId15"/>
+    <p:sldId id="276" r:id="rId16"/>
+    <p:sldId id="266" r:id="rId17"/>
+    <p:sldId id="267" r:id="rId18"/>
+    <p:sldId id="268" r:id="rId19"/>
+    <p:sldId id="269" r:id="rId20"/>
+    <p:sldId id="270" r:id="rId21"/>
   </p:sldIdLst>
   <p:sldSz cx="18288000" cy="10287000"/>
   <p:notesSz cx="6858000" cy="9144000"/>
   <p:embeddedFontLst>
     <p:embeddedFont>
-      <p:font typeface="Poppins" panose="020B0604020202020204" charset="0"/>
-      <p:regular r:id="rId23"/>
-    </p:embeddedFont>
-    <p:embeddedFont>
       <p:font typeface="Calibri" panose="020F0502020204030204" pitchFamily="34" charset="0"/>
-      <p:regular r:id="rId24"/>
-      <p:bold r:id="rId25"/>
-      <p:italic r:id="rId26"/>
-      <p:boldItalic r:id="rId27"/>
+      <p:regular r:id="rId22"/>
+      <p:bold r:id="rId23"/>
+      <p:italic r:id="rId24"/>
+      <p:boldItalic r:id="rId25"/>
     </p:embeddedFont>
     <p:embeddedFont>
       <p:font typeface="Poppins Bold" panose="020B0604020202020204" charset="0"/>
-      <p:regular r:id="rId28"/>
+      <p:regular r:id="rId26"/>
+    </p:embeddedFont>
+    <p:embeddedFont>
+      <p:font typeface="Poppins" panose="020B0604020202020204" charset="0"/>
+      <p:regular r:id="rId27"/>
     </p:embeddedFont>
   </p:embeddedFontLst>
   <p:defaultTextStyle>
@@ -342,7 +341,7 @@
             <a:fld id="{1D8BD707-D9CF-40AE-B4C6-C98DA3205C09}" type="datetimeFigureOut">
               <a:rPr lang="en-US" smtClean="0"/>
               <a:pPr/>
-              <a:t>4/8/2025</a:t>
+              <a:t>4/10/2025</a:t>
             </a:fld>
             <a:endParaRPr lang="en-US"/>
           </a:p>
@@ -509,7 +508,7 @@
             <a:fld id="{1D8BD707-D9CF-40AE-B4C6-C98DA3205C09}" type="datetimeFigureOut">
               <a:rPr lang="en-US" smtClean="0"/>
               <a:pPr/>
-              <a:t>4/8/2025</a:t>
+              <a:t>4/10/2025</a:t>
             </a:fld>
             <a:endParaRPr lang="en-US"/>
           </a:p>
@@ -686,7 +685,7 @@
             <a:fld id="{1D8BD707-D9CF-40AE-B4C6-C98DA3205C09}" type="datetimeFigureOut">
               <a:rPr lang="en-US" smtClean="0"/>
               <a:pPr/>
-              <a:t>4/8/2025</a:t>
+              <a:t>4/10/2025</a:t>
             </a:fld>
             <a:endParaRPr lang="en-US"/>
           </a:p>
@@ -853,7 +852,7 @@
             <a:fld id="{1D8BD707-D9CF-40AE-B4C6-C98DA3205C09}" type="datetimeFigureOut">
               <a:rPr lang="en-US" smtClean="0"/>
               <a:pPr/>
-              <a:t>4/8/2025</a:t>
+              <a:t>4/10/2025</a:t>
             </a:fld>
             <a:endParaRPr lang="en-US"/>
           </a:p>
@@ -1096,7 +1095,7 @@
             <a:fld id="{1D8BD707-D9CF-40AE-B4C6-C98DA3205C09}" type="datetimeFigureOut">
               <a:rPr lang="en-US" smtClean="0"/>
               <a:pPr/>
-              <a:t>4/8/2025</a:t>
+              <a:t>4/10/2025</a:t>
             </a:fld>
             <a:endParaRPr lang="en-US"/>
           </a:p>
@@ -1381,7 +1380,7 @@
             <a:fld id="{1D8BD707-D9CF-40AE-B4C6-C98DA3205C09}" type="datetimeFigureOut">
               <a:rPr lang="en-US" smtClean="0"/>
               <a:pPr/>
-              <a:t>4/8/2025</a:t>
+              <a:t>4/10/2025</a:t>
             </a:fld>
             <a:endParaRPr lang="en-US"/>
           </a:p>
@@ -1800,7 +1799,7 @@
             <a:fld id="{1D8BD707-D9CF-40AE-B4C6-C98DA3205C09}" type="datetimeFigureOut">
               <a:rPr lang="en-US" smtClean="0"/>
               <a:pPr/>
-              <a:t>4/8/2025</a:t>
+              <a:t>4/10/2025</a:t>
             </a:fld>
             <a:endParaRPr lang="en-US"/>
           </a:p>
@@ -1915,7 +1914,7 @@
             <a:fld id="{1D8BD707-D9CF-40AE-B4C6-C98DA3205C09}" type="datetimeFigureOut">
               <a:rPr lang="en-US" smtClean="0"/>
               <a:pPr/>
-              <a:t>4/8/2025</a:t>
+              <a:t>4/10/2025</a:t>
             </a:fld>
             <a:endParaRPr lang="en-US"/>
           </a:p>
@@ -2007,7 +2006,7 @@
             <a:fld id="{1D8BD707-D9CF-40AE-B4C6-C98DA3205C09}" type="datetimeFigureOut">
               <a:rPr lang="en-US" smtClean="0"/>
               <a:pPr/>
-              <a:t>4/8/2025</a:t>
+              <a:t>4/10/2025</a:t>
             </a:fld>
             <a:endParaRPr lang="en-US"/>
           </a:p>
@@ -2281,7 +2280,7 @@
             <a:fld id="{1D8BD707-D9CF-40AE-B4C6-C98DA3205C09}" type="datetimeFigureOut">
               <a:rPr lang="en-US" smtClean="0"/>
               <a:pPr/>
-              <a:t>4/8/2025</a:t>
+              <a:t>4/10/2025</a:t>
             </a:fld>
             <a:endParaRPr lang="en-US"/>
           </a:p>
@@ -2531,7 +2530,7 @@
             <a:fld id="{1D8BD707-D9CF-40AE-B4C6-C98DA3205C09}" type="datetimeFigureOut">
               <a:rPr lang="en-US" smtClean="0"/>
               <a:pPr/>
-              <a:t>4/8/2025</a:t>
+              <a:t>4/10/2025</a:t>
             </a:fld>
             <a:endParaRPr lang="en-US"/>
           </a:p>
@@ -2741,7 +2740,7 @@
             <a:fld id="{1D8BD707-D9CF-40AE-B4C6-C98DA3205C09}" type="datetimeFigureOut">
               <a:rPr lang="en-US" smtClean="0"/>
               <a:pPr/>
-              <a:t>4/8/2025</a:t>
+              <a:t>4/10/2025</a:t>
             </a:fld>
             <a:endParaRPr lang="en-US"/>
           </a:p>
@@ -3775,6 +3774,1132 @@
           </a:blipFill>
         </p:spPr>
       </p:sp>
+      <p:sp>
+        <p:nvSpPr>
+          <p:cNvPr id="6" name="TextBox 6"/>
+          <p:cNvSpPr txBox="1"/>
+          <p:nvPr/>
+        </p:nvSpPr>
+        <p:spPr>
+          <a:xfrm>
+            <a:off x="10253536" y="1838714"/>
+            <a:ext cx="5367464" cy="1893675"/>
+          </a:xfrm>
+          <a:prstGeom prst="rect">
+            <a:avLst/>
+          </a:prstGeom>
+        </p:spPr>
+        <p:txBody>
+          <a:bodyPr wrap="square" lIns="0" tIns="0" rIns="0" bIns="0" rtlCol="0" anchor="t">
+            <a:spAutoFit/>
+          </a:bodyPr>
+          <a:lstStyle/>
+          <a:p>
+            <a:pPr algn="l">
+              <a:lnSpc>
+                <a:spcPts val="7238"/>
+              </a:lnSpc>
+            </a:pPr>
+            <a:r>
+              <a:rPr lang="en-US" sz="6082" b="1" dirty="0">
+                <a:solidFill>
+                  <a:srgbClr val="FFFFFF"/>
+                </a:solidFill>
+                <a:latin typeface="Poppins Bold"/>
+                <a:ea typeface="Poppins Bold"/>
+                <a:cs typeface="Poppins Bold"/>
+                <a:sym typeface="Poppins Bold"/>
+              </a:rPr>
+              <a:t>ANÁLISIS Y RESULTADOS</a:t>
+            </a:r>
+          </a:p>
+        </p:txBody>
+      </p:sp>
+      <p:sp>
+        <p:nvSpPr>
+          <p:cNvPr id="8" name="TextBox 8"/>
+          <p:cNvSpPr txBox="1"/>
+          <p:nvPr/>
+        </p:nvSpPr>
+        <p:spPr>
+          <a:xfrm>
+            <a:off x="10253535" y="3989175"/>
+            <a:ext cx="7823782" cy="4154984"/>
+          </a:xfrm>
+          <a:prstGeom prst="rect">
+            <a:avLst/>
+          </a:prstGeom>
+        </p:spPr>
+        <p:txBody>
+          <a:bodyPr wrap="square" lIns="0" tIns="0" rIns="0" bIns="0" rtlCol="0" anchor="t">
+            <a:spAutoFit/>
+          </a:bodyPr>
+          <a:lstStyle/>
+          <a:p>
+            <a:pPr marL="514350" indent="-514350">
+              <a:lnSpc>
+                <a:spcPts val="3582"/>
+              </a:lnSpc>
+              <a:buAutoNum type="alphaLcParenR"/>
+            </a:pPr>
+            <a:r>
+              <a:rPr lang="en-US" sz="2558" dirty="0" err="1" smtClean="0">
+                <a:solidFill>
+                  <a:srgbClr val="FFFFFF"/>
+                </a:solidFill>
+                <a:latin typeface="Poppins"/>
+                <a:ea typeface="Poppins"/>
+                <a:cs typeface="Poppins"/>
+                <a:sym typeface="Poppins"/>
+              </a:rPr>
+              <a:t>Perfil</a:t>
+            </a:r>
+            <a:r>
+              <a:rPr lang="en-US" sz="2558" dirty="0" smtClean="0">
+                <a:solidFill>
+                  <a:srgbClr val="FFFFFF"/>
+                </a:solidFill>
+                <a:latin typeface="Poppins"/>
+                <a:ea typeface="Poppins"/>
+                <a:cs typeface="Poppins"/>
+                <a:sym typeface="Poppins"/>
+              </a:rPr>
+              <a:t> </a:t>
+            </a:r>
+            <a:r>
+              <a:rPr lang="en-US" sz="2558" dirty="0" err="1">
+                <a:solidFill>
+                  <a:srgbClr val="FFFFFF"/>
+                </a:solidFill>
+                <a:latin typeface="Poppins"/>
+                <a:ea typeface="Poppins"/>
+                <a:cs typeface="Poppins"/>
+                <a:sym typeface="Poppins"/>
+              </a:rPr>
+              <a:t>demográfico</a:t>
+            </a:r>
+            <a:r>
+              <a:rPr lang="en-US" sz="2558" dirty="0">
+                <a:solidFill>
+                  <a:srgbClr val="FFFFFF"/>
+                </a:solidFill>
+                <a:latin typeface="Poppins"/>
+                <a:ea typeface="Poppins"/>
+                <a:cs typeface="Poppins"/>
+                <a:sym typeface="Poppins"/>
+              </a:rPr>
+              <a:t> y </a:t>
+            </a:r>
+            <a:r>
+              <a:rPr lang="en-US" sz="2558" dirty="0" err="1">
+                <a:solidFill>
+                  <a:srgbClr val="FFFFFF"/>
+                </a:solidFill>
+                <a:latin typeface="Poppins"/>
+                <a:ea typeface="Poppins"/>
+                <a:cs typeface="Poppins"/>
+                <a:sym typeface="Poppins"/>
+              </a:rPr>
+              <a:t>características</a:t>
+            </a:r>
+            <a:r>
+              <a:rPr lang="en-US" sz="2558" dirty="0">
+                <a:solidFill>
+                  <a:srgbClr val="FFFFFF"/>
+                </a:solidFill>
+                <a:latin typeface="Poppins"/>
+                <a:ea typeface="Poppins"/>
+                <a:cs typeface="Poppins"/>
+                <a:sym typeface="Poppins"/>
+              </a:rPr>
+              <a:t> </a:t>
+            </a:r>
+            <a:r>
+              <a:rPr lang="en-US" sz="2558" dirty="0" err="1">
+                <a:solidFill>
+                  <a:srgbClr val="FFFFFF"/>
+                </a:solidFill>
+                <a:latin typeface="Poppins"/>
+                <a:ea typeface="Poppins"/>
+                <a:cs typeface="Poppins"/>
+                <a:sym typeface="Poppins"/>
+              </a:rPr>
+              <a:t>clínicas</a:t>
+            </a:r>
+            <a:r>
+              <a:rPr lang="en-US" sz="2558" dirty="0">
+                <a:solidFill>
+                  <a:srgbClr val="FFFFFF"/>
+                </a:solidFill>
+                <a:latin typeface="Poppins"/>
+                <a:ea typeface="Poppins"/>
+                <a:cs typeface="Poppins"/>
+                <a:sym typeface="Poppins"/>
+              </a:rPr>
+              <a:t> </a:t>
+            </a:r>
+            <a:r>
+              <a:rPr lang="en-US" sz="2558" dirty="0" err="1" smtClean="0">
+                <a:solidFill>
+                  <a:srgbClr val="FFFFFF"/>
+                </a:solidFill>
+                <a:latin typeface="Poppins"/>
+                <a:ea typeface="Poppins"/>
+                <a:cs typeface="Poppins"/>
+                <a:sym typeface="Poppins"/>
+              </a:rPr>
+              <a:t>confiables</a:t>
+            </a:r>
+            <a:r>
+              <a:rPr lang="en-US" sz="2558" dirty="0" smtClean="0">
+                <a:solidFill>
+                  <a:srgbClr val="FFFFFF"/>
+                </a:solidFill>
+                <a:latin typeface="Poppins"/>
+                <a:ea typeface="Poppins"/>
+                <a:cs typeface="Poppins"/>
+                <a:sym typeface="Poppins"/>
+              </a:rPr>
+              <a:t>.</a:t>
+            </a:r>
+          </a:p>
+          <a:p>
+            <a:pPr algn="just">
+              <a:lnSpc>
+                <a:spcPts val="3582"/>
+              </a:lnSpc>
+            </a:pPr>
+            <a:r>
+              <a:rPr lang="es-ES" sz="2300" dirty="0">
+                <a:solidFill>
+                  <a:srgbClr val="FFFFFF"/>
+                </a:solidFill>
+                <a:latin typeface="Poppins"/>
+                <a:ea typeface="Poppins"/>
+                <a:cs typeface="Poppins"/>
+                <a:sym typeface="Poppins"/>
+              </a:rPr>
+              <a:t>Tras el proceso de limpieza y validación, </a:t>
+            </a:r>
+            <a:r>
+              <a:rPr lang="es-ES" sz="2300" b="1" i="1" dirty="0">
+                <a:solidFill>
+                  <a:srgbClr val="FFFFFF"/>
+                </a:solidFill>
+                <a:latin typeface="Poppins"/>
+                <a:ea typeface="Poppins"/>
+                <a:cs typeface="Poppins"/>
+                <a:sym typeface="Poppins"/>
+              </a:rPr>
+              <a:t>se dispone de un conjunto de datos robusto con más de 380 mil registros, representativos de la población atendida</a:t>
+            </a:r>
+            <a:r>
+              <a:rPr lang="es-ES" sz="2300" dirty="0">
+                <a:solidFill>
+                  <a:srgbClr val="FFFFFF"/>
+                </a:solidFill>
+                <a:latin typeface="Poppins"/>
+                <a:ea typeface="Poppins"/>
+                <a:cs typeface="Poppins"/>
+                <a:sym typeface="Poppins"/>
+              </a:rPr>
+              <a:t>. Esto permite caracterizar con precisión factores como edad, sexo, peso, talla y diagnóstico, facilitando una planificación ajustada a la realidad epidemiológica.</a:t>
+            </a:r>
+            <a:endParaRPr lang="en-US" sz="2300" dirty="0">
+              <a:solidFill>
+                <a:srgbClr val="FFFFFF"/>
+              </a:solidFill>
+              <a:latin typeface="Poppins"/>
+              <a:ea typeface="Poppins"/>
+              <a:cs typeface="Poppins"/>
+              <a:sym typeface="Poppins"/>
+            </a:endParaRPr>
+          </a:p>
+        </p:txBody>
+      </p:sp>
+      <p:pic>
+        <p:nvPicPr>
+          <p:cNvPr id="3" name="Imagen 2"/>
+          <p:cNvPicPr>
+            <a:picLocks noChangeAspect="1"/>
+          </p:cNvPicPr>
+          <p:nvPr/>
+        </p:nvPicPr>
+        <p:blipFill>
+          <a:blip r:embed="rId3"/>
+          <a:stretch>
+            <a:fillRect/>
+          </a:stretch>
+        </p:blipFill>
+        <p:spPr>
+          <a:xfrm>
+            <a:off x="1219200" y="3989175"/>
+            <a:ext cx="8642853" cy="4411770"/>
+          </a:xfrm>
+          <a:prstGeom prst="rect">
+            <a:avLst/>
+          </a:prstGeom>
+        </p:spPr>
+      </p:pic>
+    </p:spTree>
+  </p:cSld>
+  <p:clrMapOvr>
+    <a:masterClrMapping/>
+  </p:clrMapOvr>
+</p:sld>
+</file>
+
+<file path=ppt/slides/slide12.xml><?xml version="1.0" encoding="utf-8"?>
+<p:sld xmlns:a="http://schemas.openxmlformats.org/drawingml/2006/main" xmlns:r="http://schemas.openxmlformats.org/officeDocument/2006/relationships" xmlns:p="http://schemas.openxmlformats.org/presentationml/2006/main">
+  <p:cSld>
+    <p:spTree>
+      <p:nvGrpSpPr>
+        <p:cNvPr id="1" name=""/>
+        <p:cNvGrpSpPr/>
+        <p:nvPr/>
+      </p:nvGrpSpPr>
+      <p:grpSpPr>
+        <a:xfrm>
+          <a:off x="0" y="0"/>
+          <a:ext cx="0" cy="0"/>
+          <a:chOff x="0" y="0"/>
+          <a:chExt cx="0" cy="0"/>
+        </a:xfrm>
+      </p:grpSpPr>
+      <p:sp>
+        <p:nvSpPr>
+          <p:cNvPr id="2" name="Freeform 2"/>
+          <p:cNvSpPr/>
+          <p:nvPr/>
+        </p:nvSpPr>
+        <p:spPr>
+          <a:xfrm>
+            <a:off x="0" y="0"/>
+            <a:ext cx="18288000" cy="10287000"/>
+          </a:xfrm>
+          <a:custGeom>
+            <a:avLst/>
+            <a:gdLst/>
+            <a:ahLst/>
+            <a:cxnLst/>
+            <a:rect l="l" t="t" r="r" b="b"/>
+            <a:pathLst>
+              <a:path w="18288000" h="10287000">
+                <a:moveTo>
+                  <a:pt x="0" y="0"/>
+                </a:moveTo>
+                <a:lnTo>
+                  <a:pt x="18288000" y="0"/>
+                </a:lnTo>
+                <a:lnTo>
+                  <a:pt x="18288000" y="10287000"/>
+                </a:lnTo>
+                <a:lnTo>
+                  <a:pt x="0" y="10287000"/>
+                </a:lnTo>
+                <a:lnTo>
+                  <a:pt x="0" y="0"/>
+                </a:lnTo>
+                <a:close/>
+              </a:path>
+            </a:pathLst>
+          </a:custGeom>
+          <a:blipFill>
+            <a:blip r:embed="rId2"/>
+            <a:stretch>
+              <a:fillRect t="-814" b="-814"/>
+            </a:stretch>
+          </a:blipFill>
+        </p:spPr>
+      </p:sp>
+      <p:sp>
+        <p:nvSpPr>
+          <p:cNvPr id="6" name="TextBox 6"/>
+          <p:cNvSpPr txBox="1"/>
+          <p:nvPr/>
+        </p:nvSpPr>
+        <p:spPr>
+          <a:xfrm>
+            <a:off x="8686800" y="1949555"/>
+            <a:ext cx="6598297" cy="1893675"/>
+          </a:xfrm>
+          <a:prstGeom prst="rect">
+            <a:avLst/>
+          </a:prstGeom>
+        </p:spPr>
+        <p:txBody>
+          <a:bodyPr wrap="square" lIns="0" tIns="0" rIns="0" bIns="0" rtlCol="0" anchor="t">
+            <a:spAutoFit/>
+          </a:bodyPr>
+          <a:lstStyle/>
+          <a:p>
+            <a:pPr algn="l">
+              <a:lnSpc>
+                <a:spcPts val="7238"/>
+              </a:lnSpc>
+            </a:pPr>
+            <a:r>
+              <a:rPr lang="en-US" sz="6082" b="1" dirty="0">
+                <a:solidFill>
+                  <a:srgbClr val="FFFFFF"/>
+                </a:solidFill>
+                <a:latin typeface="Poppins Bold"/>
+                <a:ea typeface="Poppins Bold"/>
+                <a:cs typeface="Poppins Bold"/>
+                <a:sym typeface="Poppins Bold"/>
+              </a:rPr>
+              <a:t>ANÁLISIS Y RESULTADOS</a:t>
+            </a:r>
+          </a:p>
+        </p:txBody>
+      </p:sp>
+      <p:sp>
+        <p:nvSpPr>
+          <p:cNvPr id="8" name="TextBox 8"/>
+          <p:cNvSpPr txBox="1"/>
+          <p:nvPr/>
+        </p:nvSpPr>
+        <p:spPr>
+          <a:xfrm>
+            <a:off x="8686800" y="3843230"/>
+            <a:ext cx="8752840" cy="3231654"/>
+          </a:xfrm>
+          <a:prstGeom prst="rect">
+            <a:avLst/>
+          </a:prstGeom>
+        </p:spPr>
+        <p:txBody>
+          <a:bodyPr wrap="square" lIns="0" tIns="0" rIns="0" bIns="0" rtlCol="0" anchor="t">
+            <a:spAutoFit/>
+          </a:bodyPr>
+          <a:lstStyle/>
+          <a:p>
+            <a:pPr marL="514350" indent="-514350">
+              <a:lnSpc>
+                <a:spcPts val="3582"/>
+              </a:lnSpc>
+              <a:buAutoNum type="alphaLcParenR" startAt="2"/>
+            </a:pPr>
+            <a:r>
+              <a:rPr lang="es-ES" sz="2558" dirty="0" smtClean="0">
+                <a:solidFill>
+                  <a:srgbClr val="FFFFFF"/>
+                </a:solidFill>
+                <a:latin typeface="Poppins"/>
+                <a:ea typeface="Poppins"/>
+                <a:cs typeface="Poppins"/>
+                <a:sym typeface="Poppins"/>
+              </a:rPr>
+              <a:t>Presencia </a:t>
+            </a:r>
+            <a:r>
+              <a:rPr lang="es-ES" sz="2558" dirty="0">
+                <a:solidFill>
+                  <a:srgbClr val="FFFFFF"/>
+                </a:solidFill>
+                <a:latin typeface="Poppins"/>
+                <a:ea typeface="Poppins"/>
+                <a:cs typeface="Poppins"/>
+                <a:sym typeface="Poppins"/>
+              </a:rPr>
+              <a:t>de variabilidad clínica sin </a:t>
+            </a:r>
+            <a:r>
+              <a:rPr lang="es-ES" sz="2558" dirty="0" smtClean="0">
+                <a:solidFill>
+                  <a:srgbClr val="FFFFFF"/>
+                </a:solidFill>
+                <a:latin typeface="Poppins"/>
+                <a:ea typeface="Poppins"/>
+                <a:cs typeface="Poppins"/>
+                <a:sym typeface="Poppins"/>
+              </a:rPr>
+              <a:t>redundancia</a:t>
+            </a:r>
+          </a:p>
+          <a:p>
+            <a:pPr algn="just">
+              <a:lnSpc>
+                <a:spcPts val="3582"/>
+              </a:lnSpc>
+            </a:pPr>
+            <a:r>
+              <a:rPr lang="es-ES" sz="2300" dirty="0">
+                <a:solidFill>
+                  <a:srgbClr val="FFFFFF"/>
+                </a:solidFill>
+                <a:latin typeface="Poppins"/>
+                <a:ea typeface="Poppins"/>
+                <a:cs typeface="Poppins"/>
+                <a:sym typeface="Poppins"/>
+              </a:rPr>
+              <a:t>El análisis de correlación </a:t>
+            </a:r>
+            <a:r>
+              <a:rPr lang="es-ES" sz="2300" b="1" i="1" dirty="0">
+                <a:solidFill>
+                  <a:srgbClr val="FFFFFF"/>
+                </a:solidFill>
+                <a:latin typeface="Poppins"/>
+                <a:ea typeface="Poppins"/>
+                <a:cs typeface="Poppins"/>
+                <a:sym typeface="Poppins"/>
+              </a:rPr>
+              <a:t>muestra que las variables antropométricas (peso, talla, edad) no están altamente correlacionadas entre sí, lo cual indica que cada una aporta información relevante y única</a:t>
+            </a:r>
+            <a:r>
+              <a:rPr lang="es-ES" sz="2300" dirty="0">
+                <a:solidFill>
+                  <a:srgbClr val="FFFFFF"/>
+                </a:solidFill>
+                <a:latin typeface="Poppins"/>
+                <a:ea typeface="Poppins"/>
+                <a:cs typeface="Poppins"/>
+                <a:sym typeface="Poppins"/>
+              </a:rPr>
+              <a:t>. Esta riqueza de datos permite construir perfiles clínicos más precisos para estrategias preventivas y de manejo individualizado.</a:t>
+            </a:r>
+            <a:endParaRPr lang="en-US" sz="2300" dirty="0">
+              <a:solidFill>
+                <a:srgbClr val="FFFFFF"/>
+              </a:solidFill>
+              <a:latin typeface="Poppins"/>
+              <a:ea typeface="Poppins"/>
+              <a:cs typeface="Poppins"/>
+              <a:sym typeface="Poppins"/>
+            </a:endParaRPr>
+          </a:p>
+        </p:txBody>
+      </p:sp>
+      <p:pic>
+        <p:nvPicPr>
+          <p:cNvPr id="3" name="Imagen 2"/>
+          <p:cNvPicPr>
+            <a:picLocks noChangeAspect="1"/>
+          </p:cNvPicPr>
+          <p:nvPr/>
+        </p:nvPicPr>
+        <p:blipFill>
+          <a:blip r:embed="rId3"/>
+          <a:stretch>
+            <a:fillRect/>
+          </a:stretch>
+        </p:blipFill>
+        <p:spPr>
+          <a:xfrm>
+            <a:off x="533400" y="2324100"/>
+            <a:ext cx="7743641" cy="7043845"/>
+          </a:xfrm>
+          <a:prstGeom prst="rect">
+            <a:avLst/>
+          </a:prstGeom>
+        </p:spPr>
+      </p:pic>
+    </p:spTree>
+    <p:extLst>
+      <p:ext uri="{BB962C8B-B14F-4D97-AF65-F5344CB8AC3E}">
+        <p14:creationId xmlns:p14="http://schemas.microsoft.com/office/powerpoint/2010/main" val="2189798996"/>
+      </p:ext>
+    </p:extLst>
+  </p:cSld>
+  <p:clrMapOvr>
+    <a:masterClrMapping/>
+  </p:clrMapOvr>
+</p:sld>
+</file>
+
+<file path=ppt/slides/slide13.xml><?xml version="1.0" encoding="utf-8"?>
+<p:sld xmlns:a="http://schemas.openxmlformats.org/drawingml/2006/main" xmlns:r="http://schemas.openxmlformats.org/officeDocument/2006/relationships" xmlns:p="http://schemas.openxmlformats.org/presentationml/2006/main">
+  <p:cSld>
+    <p:spTree>
+      <p:nvGrpSpPr>
+        <p:cNvPr id="1" name=""/>
+        <p:cNvGrpSpPr/>
+        <p:nvPr/>
+      </p:nvGrpSpPr>
+      <p:grpSpPr>
+        <a:xfrm>
+          <a:off x="0" y="0"/>
+          <a:ext cx="0" cy="0"/>
+          <a:chOff x="0" y="0"/>
+          <a:chExt cx="0" cy="0"/>
+        </a:xfrm>
+      </p:grpSpPr>
+      <p:sp>
+        <p:nvSpPr>
+          <p:cNvPr id="2" name="Freeform 2"/>
+          <p:cNvSpPr/>
+          <p:nvPr/>
+        </p:nvSpPr>
+        <p:spPr>
+          <a:xfrm>
+            <a:off x="0" y="0"/>
+            <a:ext cx="18288000" cy="10287000"/>
+          </a:xfrm>
+          <a:custGeom>
+            <a:avLst/>
+            <a:gdLst/>
+            <a:ahLst/>
+            <a:cxnLst/>
+            <a:rect l="l" t="t" r="r" b="b"/>
+            <a:pathLst>
+              <a:path w="18288000" h="10287000">
+                <a:moveTo>
+                  <a:pt x="0" y="0"/>
+                </a:moveTo>
+                <a:lnTo>
+                  <a:pt x="18288000" y="0"/>
+                </a:lnTo>
+                <a:lnTo>
+                  <a:pt x="18288000" y="10287000"/>
+                </a:lnTo>
+                <a:lnTo>
+                  <a:pt x="0" y="10287000"/>
+                </a:lnTo>
+                <a:lnTo>
+                  <a:pt x="0" y="0"/>
+                </a:lnTo>
+                <a:close/>
+              </a:path>
+            </a:pathLst>
+          </a:custGeom>
+          <a:blipFill>
+            <a:blip r:embed="rId2"/>
+            <a:stretch>
+              <a:fillRect t="-814" b="-814"/>
+            </a:stretch>
+          </a:blipFill>
+        </p:spPr>
+      </p:sp>
+      <p:sp>
+        <p:nvSpPr>
+          <p:cNvPr id="6" name="TextBox 6"/>
+          <p:cNvSpPr txBox="1"/>
+          <p:nvPr/>
+        </p:nvSpPr>
+        <p:spPr>
+          <a:xfrm>
+            <a:off x="10205720" y="2459885"/>
+            <a:ext cx="5177767" cy="1893675"/>
+          </a:xfrm>
+          <a:prstGeom prst="rect">
+            <a:avLst/>
+          </a:prstGeom>
+        </p:spPr>
+        <p:txBody>
+          <a:bodyPr lIns="0" tIns="0" rIns="0" bIns="0" rtlCol="0" anchor="t">
+            <a:spAutoFit/>
+          </a:bodyPr>
+          <a:lstStyle/>
+          <a:p>
+            <a:pPr algn="l">
+              <a:lnSpc>
+                <a:spcPts val="7238"/>
+              </a:lnSpc>
+            </a:pPr>
+            <a:r>
+              <a:rPr lang="en-US" sz="6082" b="1" dirty="0">
+                <a:solidFill>
+                  <a:srgbClr val="FFFFFF"/>
+                </a:solidFill>
+                <a:latin typeface="Poppins Bold"/>
+                <a:ea typeface="Poppins Bold"/>
+                <a:cs typeface="Poppins Bold"/>
+                <a:sym typeface="Poppins Bold"/>
+              </a:rPr>
+              <a:t>ANÁLISIS Y RESULTADOS</a:t>
+            </a:r>
+          </a:p>
+        </p:txBody>
+      </p:sp>
+      <p:sp>
+        <p:nvSpPr>
+          <p:cNvPr id="8" name="TextBox 8"/>
+          <p:cNvSpPr txBox="1"/>
+          <p:nvPr/>
+        </p:nvSpPr>
+        <p:spPr>
+          <a:xfrm>
+            <a:off x="10210800" y="4381500"/>
+            <a:ext cx="7010400" cy="3231654"/>
+          </a:xfrm>
+          <a:prstGeom prst="rect">
+            <a:avLst/>
+          </a:prstGeom>
+        </p:spPr>
+        <p:txBody>
+          <a:bodyPr wrap="square" lIns="0" tIns="0" rIns="0" bIns="0" rtlCol="0" anchor="t">
+            <a:spAutoFit/>
+          </a:bodyPr>
+          <a:lstStyle/>
+          <a:p>
+            <a:pPr marL="514350" indent="-514350">
+              <a:lnSpc>
+                <a:spcPts val="3582"/>
+              </a:lnSpc>
+              <a:buFont typeface="+mj-lt"/>
+              <a:buAutoNum type="alphaLcParenR" startAt="3"/>
+            </a:pPr>
+            <a:r>
+              <a:rPr lang="es-ES" sz="2558" dirty="0" smtClean="0">
+                <a:solidFill>
+                  <a:srgbClr val="FFFFFF"/>
+                </a:solidFill>
+                <a:latin typeface="Poppins"/>
+                <a:ea typeface="Poppins"/>
+                <a:cs typeface="Poppins"/>
+                <a:sym typeface="Poppins"/>
+              </a:rPr>
+              <a:t>Segmentación </a:t>
+            </a:r>
+            <a:r>
+              <a:rPr lang="es-ES" sz="2558" dirty="0">
+                <a:solidFill>
+                  <a:srgbClr val="FFFFFF"/>
+                </a:solidFill>
+                <a:latin typeface="Poppins"/>
+                <a:ea typeface="Poppins"/>
+                <a:cs typeface="Poppins"/>
+                <a:sym typeface="Poppins"/>
+              </a:rPr>
+              <a:t>poblacional significativa mediante técnicas de </a:t>
+            </a:r>
+            <a:r>
+              <a:rPr lang="es-ES" sz="2558" dirty="0" err="1" smtClean="0">
+                <a:solidFill>
+                  <a:srgbClr val="FFFFFF"/>
+                </a:solidFill>
+                <a:latin typeface="Poppins"/>
+                <a:ea typeface="Poppins"/>
+                <a:cs typeface="Poppins"/>
+                <a:sym typeface="Poppins"/>
+              </a:rPr>
+              <a:t>clustering</a:t>
+            </a:r>
+            <a:endParaRPr lang="es-ES" sz="2558" dirty="0" smtClean="0">
+              <a:solidFill>
+                <a:srgbClr val="FFFFFF"/>
+              </a:solidFill>
+              <a:latin typeface="Poppins"/>
+              <a:ea typeface="Poppins"/>
+              <a:cs typeface="Poppins"/>
+              <a:sym typeface="Poppins"/>
+            </a:endParaRPr>
+          </a:p>
+          <a:p>
+            <a:pPr algn="just">
+              <a:lnSpc>
+                <a:spcPts val="3582"/>
+              </a:lnSpc>
+            </a:pPr>
+            <a:r>
+              <a:rPr lang="es-ES" sz="2300" dirty="0">
+                <a:solidFill>
+                  <a:srgbClr val="FFFFFF"/>
+                </a:solidFill>
+                <a:latin typeface="Poppins"/>
+                <a:ea typeface="Poppins"/>
+                <a:cs typeface="Poppins"/>
+                <a:sym typeface="Poppins"/>
+              </a:rPr>
+              <a:t>Mediante algoritmos de agrupamiento, </a:t>
+            </a:r>
+            <a:r>
+              <a:rPr lang="es-ES" sz="2300" b="1" i="1" dirty="0">
+                <a:solidFill>
+                  <a:srgbClr val="FFFFFF"/>
+                </a:solidFill>
+                <a:latin typeface="Poppins"/>
+                <a:ea typeface="Poppins"/>
+                <a:cs typeface="Poppins"/>
+                <a:sym typeface="Poppins"/>
+              </a:rPr>
+              <a:t>se identificaron tres grupos distintos de pacientes con características similares</a:t>
+            </a:r>
+            <a:r>
+              <a:rPr lang="es-ES" sz="2300" dirty="0">
+                <a:solidFill>
+                  <a:srgbClr val="FFFFFF"/>
+                </a:solidFill>
+                <a:latin typeface="Poppins"/>
+                <a:ea typeface="Poppins"/>
+                <a:cs typeface="Poppins"/>
+                <a:sym typeface="Poppins"/>
+              </a:rPr>
+              <a:t>. Esto permite diseñar protocolos diferenciados según perfil, implementar intervenciones </a:t>
+            </a:r>
+            <a:r>
+              <a:rPr lang="es-ES" sz="2300" dirty="0" smtClean="0">
+                <a:solidFill>
+                  <a:srgbClr val="FFFFFF"/>
+                </a:solidFill>
+                <a:latin typeface="Poppins"/>
+                <a:ea typeface="Poppins"/>
+                <a:cs typeface="Poppins"/>
+                <a:sym typeface="Poppins"/>
+              </a:rPr>
+              <a:t>específicas.</a:t>
+            </a:r>
+            <a:endParaRPr lang="en-US" sz="2300" dirty="0">
+              <a:solidFill>
+                <a:srgbClr val="FFFFFF"/>
+              </a:solidFill>
+              <a:latin typeface="Poppins"/>
+              <a:ea typeface="Poppins"/>
+              <a:cs typeface="Poppins"/>
+              <a:sym typeface="Poppins"/>
+            </a:endParaRPr>
+          </a:p>
+        </p:txBody>
+      </p:sp>
+      <p:pic>
+        <p:nvPicPr>
+          <p:cNvPr id="3" name="Imagen 2"/>
+          <p:cNvPicPr>
+            <a:picLocks noChangeAspect="1"/>
+          </p:cNvPicPr>
+          <p:nvPr/>
+        </p:nvPicPr>
+        <p:blipFill>
+          <a:blip r:embed="rId3"/>
+          <a:stretch>
+            <a:fillRect/>
+          </a:stretch>
+        </p:blipFill>
+        <p:spPr>
+          <a:xfrm>
+            <a:off x="381000" y="2019300"/>
+            <a:ext cx="9358532" cy="7062788"/>
+          </a:xfrm>
+          <a:prstGeom prst="rect">
+            <a:avLst/>
+          </a:prstGeom>
+        </p:spPr>
+      </p:pic>
+    </p:spTree>
+    <p:extLst>
+      <p:ext uri="{BB962C8B-B14F-4D97-AF65-F5344CB8AC3E}">
+        <p14:creationId xmlns:p14="http://schemas.microsoft.com/office/powerpoint/2010/main" val="1717689488"/>
+      </p:ext>
+    </p:extLst>
+  </p:cSld>
+  <p:clrMapOvr>
+    <a:masterClrMapping/>
+  </p:clrMapOvr>
+</p:sld>
+</file>
+
+<file path=ppt/slides/slide14.xml><?xml version="1.0" encoding="utf-8"?>
+<p:sld xmlns:a="http://schemas.openxmlformats.org/drawingml/2006/main" xmlns:r="http://schemas.openxmlformats.org/officeDocument/2006/relationships" xmlns:p="http://schemas.openxmlformats.org/presentationml/2006/main">
+  <p:cSld>
+    <p:spTree>
+      <p:nvGrpSpPr>
+        <p:cNvPr id="1" name=""/>
+        <p:cNvGrpSpPr/>
+        <p:nvPr/>
+      </p:nvGrpSpPr>
+      <p:grpSpPr>
+        <a:xfrm>
+          <a:off x="0" y="0"/>
+          <a:ext cx="0" cy="0"/>
+          <a:chOff x="0" y="0"/>
+          <a:chExt cx="0" cy="0"/>
+        </a:xfrm>
+      </p:grpSpPr>
+      <p:sp>
+        <p:nvSpPr>
+          <p:cNvPr id="2" name="Freeform 2"/>
+          <p:cNvSpPr/>
+          <p:nvPr/>
+        </p:nvSpPr>
+        <p:spPr>
+          <a:xfrm>
+            <a:off x="0" y="0"/>
+            <a:ext cx="18288000" cy="10287000"/>
+          </a:xfrm>
+          <a:custGeom>
+            <a:avLst/>
+            <a:gdLst/>
+            <a:ahLst/>
+            <a:cxnLst/>
+            <a:rect l="l" t="t" r="r" b="b"/>
+            <a:pathLst>
+              <a:path w="18288000" h="10287000">
+                <a:moveTo>
+                  <a:pt x="0" y="0"/>
+                </a:moveTo>
+                <a:lnTo>
+                  <a:pt x="18288000" y="0"/>
+                </a:lnTo>
+                <a:lnTo>
+                  <a:pt x="18288000" y="10287000"/>
+                </a:lnTo>
+                <a:lnTo>
+                  <a:pt x="0" y="10287000"/>
+                </a:lnTo>
+                <a:lnTo>
+                  <a:pt x="0" y="0"/>
+                </a:lnTo>
+                <a:close/>
+              </a:path>
+            </a:pathLst>
+          </a:custGeom>
+          <a:blipFill>
+            <a:blip r:embed="rId2"/>
+            <a:stretch>
+              <a:fillRect t="-814" b="-814"/>
+            </a:stretch>
+          </a:blipFill>
+        </p:spPr>
+      </p:sp>
+      <p:sp>
+        <p:nvSpPr>
+          <p:cNvPr id="6" name="TextBox 6"/>
+          <p:cNvSpPr txBox="1"/>
+          <p:nvPr/>
+        </p:nvSpPr>
+        <p:spPr>
+          <a:xfrm>
+            <a:off x="9601200" y="1638300"/>
+            <a:ext cx="5177767" cy="1893675"/>
+          </a:xfrm>
+          <a:prstGeom prst="rect">
+            <a:avLst/>
+          </a:prstGeom>
+        </p:spPr>
+        <p:txBody>
+          <a:bodyPr lIns="0" tIns="0" rIns="0" bIns="0" rtlCol="0" anchor="t">
+            <a:spAutoFit/>
+          </a:bodyPr>
+          <a:lstStyle/>
+          <a:p>
+            <a:pPr algn="l">
+              <a:lnSpc>
+                <a:spcPts val="7238"/>
+              </a:lnSpc>
+            </a:pPr>
+            <a:r>
+              <a:rPr lang="en-US" sz="6082" b="1" dirty="0">
+                <a:solidFill>
+                  <a:srgbClr val="FFFFFF"/>
+                </a:solidFill>
+                <a:latin typeface="Poppins Bold"/>
+                <a:ea typeface="Poppins Bold"/>
+                <a:cs typeface="Poppins Bold"/>
+                <a:sym typeface="Poppins Bold"/>
+              </a:rPr>
+              <a:t>ANÁLISIS Y RESULTADOS</a:t>
+            </a:r>
+          </a:p>
+        </p:txBody>
+      </p:sp>
+      <p:sp>
+        <p:nvSpPr>
+          <p:cNvPr id="8" name="TextBox 8"/>
+          <p:cNvSpPr txBox="1"/>
+          <p:nvPr/>
+        </p:nvSpPr>
+        <p:spPr>
+          <a:xfrm>
+            <a:off x="9601200" y="3789560"/>
+            <a:ext cx="7848600" cy="3693319"/>
+          </a:xfrm>
+          <a:prstGeom prst="rect">
+            <a:avLst/>
+          </a:prstGeom>
+        </p:spPr>
+        <p:txBody>
+          <a:bodyPr wrap="square" lIns="0" tIns="0" rIns="0" bIns="0" rtlCol="0" anchor="t">
+            <a:spAutoFit/>
+          </a:bodyPr>
+          <a:lstStyle/>
+          <a:p>
+            <a:pPr marL="514350" indent="-514350">
+              <a:lnSpc>
+                <a:spcPts val="3582"/>
+              </a:lnSpc>
+              <a:buFont typeface="+mj-lt"/>
+              <a:buAutoNum type="alphaLcParenR" startAt="4"/>
+            </a:pPr>
+            <a:r>
+              <a:rPr lang="es-ES" sz="2558" dirty="0" smtClean="0">
+                <a:solidFill>
+                  <a:srgbClr val="FFFFFF"/>
+                </a:solidFill>
+                <a:latin typeface="Poppins"/>
+                <a:ea typeface="Poppins"/>
+                <a:cs typeface="Poppins"/>
+                <a:sym typeface="Poppins"/>
+              </a:rPr>
+              <a:t>Valoraciones </a:t>
+            </a:r>
+            <a:r>
+              <a:rPr lang="es-ES" sz="2558" dirty="0">
+                <a:solidFill>
+                  <a:srgbClr val="FFFFFF"/>
+                </a:solidFill>
+                <a:latin typeface="Poppins"/>
+                <a:ea typeface="Poppins"/>
+                <a:cs typeface="Poppins"/>
+                <a:sym typeface="Poppins"/>
+              </a:rPr>
+              <a:t>de tendencia temporal para reforzar vigilancia </a:t>
+            </a:r>
+            <a:r>
+              <a:rPr lang="es-ES" sz="2558" dirty="0" smtClean="0">
+                <a:solidFill>
+                  <a:srgbClr val="FFFFFF"/>
+                </a:solidFill>
+                <a:latin typeface="Poppins"/>
+                <a:ea typeface="Poppins"/>
+                <a:cs typeface="Poppins"/>
+                <a:sym typeface="Poppins"/>
+              </a:rPr>
+              <a:t>sanitaria</a:t>
+            </a:r>
+          </a:p>
+          <a:p>
+            <a:pPr algn="just">
+              <a:lnSpc>
+                <a:spcPts val="3582"/>
+              </a:lnSpc>
+            </a:pPr>
+            <a:r>
+              <a:rPr lang="es-ES" sz="2300" b="1" i="1" dirty="0">
+                <a:solidFill>
+                  <a:srgbClr val="FFFFFF"/>
+                </a:solidFill>
+                <a:latin typeface="Poppins"/>
+                <a:ea typeface="Poppins"/>
+                <a:cs typeface="Poppins"/>
+                <a:sym typeface="Poppins"/>
+              </a:rPr>
+              <a:t>El análisis por meses permite detectar períodos con mayor carga asistencial. </a:t>
+            </a:r>
+            <a:r>
+              <a:rPr lang="es-ES" sz="2300" dirty="0">
+                <a:solidFill>
+                  <a:srgbClr val="FFFFFF"/>
+                </a:solidFill>
+                <a:latin typeface="Poppins"/>
+                <a:ea typeface="Poppins"/>
+                <a:cs typeface="Poppins"/>
+                <a:sym typeface="Poppins"/>
+              </a:rPr>
+              <a:t>Esta información debe ser utilizada para fortalecer el sistema de vigilancia epidemiológica, distribuir personal y reforzar campañas específicas en los meses de mayor demanda.</a:t>
+            </a:r>
+            <a:endParaRPr lang="en-US" sz="2300" dirty="0">
+              <a:solidFill>
+                <a:srgbClr val="FFFFFF"/>
+              </a:solidFill>
+              <a:latin typeface="Poppins"/>
+              <a:ea typeface="Poppins"/>
+              <a:cs typeface="Poppins"/>
+              <a:sym typeface="Poppins"/>
+            </a:endParaRPr>
+          </a:p>
+        </p:txBody>
+      </p:sp>
+      <p:pic>
+        <p:nvPicPr>
+          <p:cNvPr id="3" name="Imagen 2"/>
+          <p:cNvPicPr>
+            <a:picLocks noChangeAspect="1"/>
+          </p:cNvPicPr>
+          <p:nvPr/>
+        </p:nvPicPr>
+        <p:blipFill>
+          <a:blip r:embed="rId3"/>
+          <a:stretch>
+            <a:fillRect/>
+          </a:stretch>
+        </p:blipFill>
+        <p:spPr>
+          <a:xfrm>
+            <a:off x="381000" y="3115984"/>
+            <a:ext cx="8826306" cy="4333875"/>
+          </a:xfrm>
+          <a:prstGeom prst="rect">
+            <a:avLst/>
+          </a:prstGeom>
+        </p:spPr>
+      </p:pic>
+    </p:spTree>
+    <p:extLst>
+      <p:ext uri="{BB962C8B-B14F-4D97-AF65-F5344CB8AC3E}">
+        <p14:creationId xmlns:p14="http://schemas.microsoft.com/office/powerpoint/2010/main" val="1227870984"/>
+      </p:ext>
+    </p:extLst>
+  </p:cSld>
+  <p:clrMapOvr>
+    <a:masterClrMapping/>
+  </p:clrMapOvr>
+</p:sld>
+</file>
+
+<file path=ppt/slides/slide15.xml><?xml version="1.0" encoding="utf-8"?>
+<p:sld xmlns:a="http://schemas.openxmlformats.org/drawingml/2006/main" xmlns:r="http://schemas.openxmlformats.org/officeDocument/2006/relationships" xmlns:p="http://schemas.openxmlformats.org/presentationml/2006/main">
+  <p:cSld>
+    <p:spTree>
+      <p:nvGrpSpPr>
+        <p:cNvPr id="1" name=""/>
+        <p:cNvGrpSpPr/>
+        <p:nvPr/>
+      </p:nvGrpSpPr>
+      <p:grpSpPr>
+        <a:xfrm>
+          <a:off x="0" y="0"/>
+          <a:ext cx="0" cy="0"/>
+          <a:chOff x="0" y="0"/>
+          <a:chExt cx="0" cy="0"/>
+        </a:xfrm>
+      </p:grpSpPr>
+      <p:sp>
+        <p:nvSpPr>
+          <p:cNvPr id="2" name="Freeform 2"/>
+          <p:cNvSpPr/>
+          <p:nvPr/>
+        </p:nvSpPr>
+        <p:spPr>
+          <a:xfrm>
+            <a:off x="0" y="0"/>
+            <a:ext cx="18288000" cy="10287000"/>
+          </a:xfrm>
+          <a:custGeom>
+            <a:avLst/>
+            <a:gdLst/>
+            <a:ahLst/>
+            <a:cxnLst/>
+            <a:rect l="l" t="t" r="r" b="b"/>
+            <a:pathLst>
+              <a:path w="18288000" h="10287000">
+                <a:moveTo>
+                  <a:pt x="0" y="0"/>
+                </a:moveTo>
+                <a:lnTo>
+                  <a:pt x="18288000" y="0"/>
+                </a:lnTo>
+                <a:lnTo>
+                  <a:pt x="18288000" y="10287000"/>
+                </a:lnTo>
+                <a:lnTo>
+                  <a:pt x="0" y="10287000"/>
+                </a:lnTo>
+                <a:lnTo>
+                  <a:pt x="0" y="0"/>
+                </a:lnTo>
+                <a:close/>
+              </a:path>
+            </a:pathLst>
+          </a:custGeom>
+          <a:blipFill>
+            <a:blip r:embed="rId2"/>
+            <a:stretch>
+              <a:fillRect t="-814" b="-814"/>
+            </a:stretch>
+          </a:blipFill>
+        </p:spPr>
+      </p:sp>
       <p:grpSp>
         <p:nvGrpSpPr>
           <p:cNvPr id="3" name="Group 3"/>
@@ -3783,10 +4908,10 @@
         </p:nvGrpSpPr>
         <p:grpSpPr>
           <a:xfrm>
-            <a:off x="200114" y="3619501"/>
-            <a:ext cx="9553486" cy="5105400"/>
-            <a:chOff x="0" y="0"/>
-            <a:chExt cx="2362204" cy="2222615"/>
+            <a:off x="200114" y="205533"/>
+            <a:ext cx="9553486" cy="9814767"/>
+            <a:chOff x="0" y="-57150"/>
+            <a:chExt cx="2362204" cy="2626411"/>
           </a:xfrm>
         </p:grpSpPr>
         <p:sp>
@@ -3797,8 +4922,8 @@
           </p:nvSpPr>
           <p:spPr>
             <a:xfrm>
-              <a:off x="0" y="0"/>
-              <a:ext cx="2362204" cy="2222615"/>
+              <a:off x="195456" y="0"/>
+              <a:ext cx="1808764" cy="2569261"/>
             </a:xfrm>
             <a:custGeom>
               <a:avLst/>
@@ -3951,7 +5076,7 @@
         <p:spPr>
           <a:xfrm>
             <a:off x="9952568" y="4755799"/>
-            <a:ext cx="6426475" cy="4616648"/>
+            <a:ext cx="6426475" cy="4583819"/>
           </a:xfrm>
           <a:prstGeom prst="rect">
             <a:avLst/>
@@ -3967,10 +5092,11 @@
               <a:lnSpc>
                 <a:spcPts val="3582"/>
               </a:lnSpc>
-              <a:buAutoNum type="alphaLcParenR"/>
+              <a:buFont typeface="+mj-lt"/>
+              <a:buAutoNum type="alphaLcParenR" startAt="5"/>
             </a:pPr>
             <a:r>
-              <a:rPr lang="en-US" sz="2558" dirty="0" err="1" smtClean="0">
+              <a:rPr lang="es-ES" sz="2558" dirty="0" smtClean="0">
                 <a:solidFill>
                   <a:srgbClr val="FFFFFF"/>
                 </a:solidFill>
@@ -3979,10 +5105,10 @@
                 <a:cs typeface="Poppins"/>
                 <a:sym typeface="Poppins"/>
               </a:rPr>
-              <a:t>Perfil</a:t>
-            </a:r>
-            <a:r>
-              <a:rPr lang="en-US" sz="2558" dirty="0" smtClean="0">
+              <a:t>Identificación </a:t>
+            </a:r>
+            <a:r>
+              <a:rPr lang="es-ES" sz="2558" dirty="0">
                 <a:solidFill>
                   <a:srgbClr val="FFFFFF"/>
                 </a:solidFill>
@@ -3991,10 +5117,10 @@
                 <a:cs typeface="Poppins"/>
                 <a:sym typeface="Poppins"/>
               </a:rPr>
-              <a:t> </a:t>
-            </a:r>
-            <a:r>
-              <a:rPr lang="en-US" sz="2558" dirty="0" err="1">
+              <a:t>de patrones de asociación en </a:t>
+            </a:r>
+            <a:r>
+              <a:rPr lang="es-ES" sz="2558" dirty="0" smtClean="0">
                 <a:solidFill>
                   <a:srgbClr val="FFFFFF"/>
                 </a:solidFill>
@@ -4003,91 +5129,7 @@
                 <a:cs typeface="Poppins"/>
                 <a:sym typeface="Poppins"/>
               </a:rPr>
-              <a:t>demográfico</a:t>
-            </a:r>
-            <a:r>
-              <a:rPr lang="en-US" sz="2558" dirty="0">
-                <a:solidFill>
-                  <a:srgbClr val="FFFFFF"/>
-                </a:solidFill>
-                <a:latin typeface="Poppins"/>
-                <a:ea typeface="Poppins"/>
-                <a:cs typeface="Poppins"/>
-                <a:sym typeface="Poppins"/>
-              </a:rPr>
-              <a:t> y </a:t>
-            </a:r>
-            <a:r>
-              <a:rPr lang="en-US" sz="2558" dirty="0" err="1">
-                <a:solidFill>
-                  <a:srgbClr val="FFFFFF"/>
-                </a:solidFill>
-                <a:latin typeface="Poppins"/>
-                <a:ea typeface="Poppins"/>
-                <a:cs typeface="Poppins"/>
-                <a:sym typeface="Poppins"/>
-              </a:rPr>
-              <a:t>características</a:t>
-            </a:r>
-            <a:r>
-              <a:rPr lang="en-US" sz="2558" dirty="0">
-                <a:solidFill>
-                  <a:srgbClr val="FFFFFF"/>
-                </a:solidFill>
-                <a:latin typeface="Poppins"/>
-                <a:ea typeface="Poppins"/>
-                <a:cs typeface="Poppins"/>
-                <a:sym typeface="Poppins"/>
-              </a:rPr>
-              <a:t> </a:t>
-            </a:r>
-            <a:r>
-              <a:rPr lang="en-US" sz="2558" dirty="0" err="1">
-                <a:solidFill>
-                  <a:srgbClr val="FFFFFF"/>
-                </a:solidFill>
-                <a:latin typeface="Poppins"/>
-                <a:ea typeface="Poppins"/>
-                <a:cs typeface="Poppins"/>
-                <a:sym typeface="Poppins"/>
-              </a:rPr>
-              <a:t>clínicas</a:t>
-            </a:r>
-            <a:r>
-              <a:rPr lang="en-US" sz="2558" dirty="0">
-                <a:solidFill>
-                  <a:srgbClr val="FFFFFF"/>
-                </a:solidFill>
-                <a:latin typeface="Poppins"/>
-                <a:ea typeface="Poppins"/>
-                <a:cs typeface="Poppins"/>
-                <a:sym typeface="Poppins"/>
-              </a:rPr>
-              <a:t> </a:t>
-            </a:r>
-            <a:r>
-              <a:rPr lang="en-US" sz="2558" dirty="0" err="1" smtClean="0">
-                <a:solidFill>
-                  <a:srgbClr val="FFFFFF"/>
-                </a:solidFill>
-                <a:latin typeface="Poppins"/>
-                <a:ea typeface="Poppins"/>
-                <a:cs typeface="Poppins"/>
-                <a:sym typeface="Poppins"/>
-              </a:rPr>
-              <a:t>confiables</a:t>
-            </a:r>
-            <a:r>
-              <a:rPr lang="en-US" sz="2558" dirty="0" smtClean="0">
-                <a:solidFill>
-                  <a:srgbClr val="FFFFFF"/>
-                </a:solidFill>
-                <a:latin typeface="Poppins"/>
-                <a:ea typeface="Poppins"/>
-                <a:cs typeface="Poppins"/>
-                <a:sym typeface="Poppins"/>
-              </a:rPr>
-              <a:t>.</a:t>
+              <a:t>salud.</a:t>
             </a:r>
           </a:p>
           <a:p>
@@ -4106,7 +5148,31 @@
                 <a:cs typeface="Poppins"/>
                 <a:sym typeface="Poppins"/>
               </a:rPr>
-              <a:t>Tras el proceso de limpieza y validación, se dispone de un conjunto de datos robusto con más de 380 mil registros, representativos de la población atendida. Esto permite caracterizar con precisión factores como edad, sexo, peso, talla y diagnóstico, facilitando una planificación ajustada a la realidad epidemiológica.</a:t>
+              <a:t>A través del análisis de reglas de asociación, </a:t>
+            </a:r>
+            <a:r>
+              <a:rPr lang="es-ES" sz="2300" b="1" i="1" dirty="0">
+                <a:solidFill>
+                  <a:srgbClr val="FFFFFF"/>
+                </a:solidFill>
+                <a:latin typeface="Poppins"/>
+                <a:ea typeface="Poppins"/>
+                <a:cs typeface="Poppins"/>
+                <a:sym typeface="Poppins"/>
+              </a:rPr>
+              <a:t>se identifican combinaciones frecuentes de características clínicas (como edad, peso y diagnóstico). Estas asociaciones son útiles para desarrollar alertas clínicas automatizadas,</a:t>
+            </a:r>
+            <a:r>
+              <a:rPr lang="es-ES" sz="2300" dirty="0">
+                <a:solidFill>
+                  <a:srgbClr val="FFFFFF"/>
+                </a:solidFill>
+                <a:latin typeface="Poppins"/>
+                <a:ea typeface="Poppins"/>
+                <a:cs typeface="Poppins"/>
+                <a:sym typeface="Poppins"/>
+              </a:rPr>
+              <a:t> tamizajes dirigidos y acciones preventivas personalizadas.</a:t>
             </a:r>
             <a:endParaRPr lang="en-US" sz="2300" dirty="0">
               <a:solidFill>
@@ -4122,7 +5188,7 @@
       </p:sp>
       <p:pic>
         <p:nvPicPr>
-          <p:cNvPr id="9" name="Imagen 8"/>
+          <p:cNvPr id="7" name="Imagen 6"/>
           <p:cNvPicPr>
             <a:picLocks noChangeAspect="1"/>
           </p:cNvPicPr>
@@ -4136,1832 +5202,8 @@
         </p:blipFill>
         <p:spPr>
           <a:xfrm>
-            <a:off x="470959" y="3933035"/>
-            <a:ext cx="9010650" cy="4438650"/>
-          </a:xfrm>
-          <a:prstGeom prst="rect">
-            <a:avLst/>
-          </a:prstGeom>
-        </p:spPr>
-      </p:pic>
-    </p:spTree>
-  </p:cSld>
-  <p:clrMapOvr>
-    <a:masterClrMapping/>
-  </p:clrMapOvr>
-</p:sld>
-</file>
-
-<file path=ppt/slides/slide12.xml><?xml version="1.0" encoding="utf-8"?>
-<p:sld xmlns:a="http://schemas.openxmlformats.org/drawingml/2006/main" xmlns:r="http://schemas.openxmlformats.org/officeDocument/2006/relationships" xmlns:p="http://schemas.openxmlformats.org/presentationml/2006/main">
-  <p:cSld>
-    <p:spTree>
-      <p:nvGrpSpPr>
-        <p:cNvPr id="1" name=""/>
-        <p:cNvGrpSpPr/>
-        <p:nvPr/>
-      </p:nvGrpSpPr>
-      <p:grpSpPr>
-        <a:xfrm>
-          <a:off x="0" y="0"/>
-          <a:ext cx="0" cy="0"/>
-          <a:chOff x="0" y="0"/>
-          <a:chExt cx="0" cy="0"/>
-        </a:xfrm>
-      </p:grpSpPr>
-      <p:sp>
-        <p:nvSpPr>
-          <p:cNvPr id="2" name="Freeform 2"/>
-          <p:cNvSpPr/>
-          <p:nvPr/>
-        </p:nvSpPr>
-        <p:spPr>
-          <a:xfrm>
-            <a:off x="0" y="0"/>
-            <a:ext cx="18288000" cy="10287000"/>
-          </a:xfrm>
-          <a:custGeom>
-            <a:avLst/>
-            <a:gdLst/>
-            <a:ahLst/>
-            <a:cxnLst/>
-            <a:rect l="l" t="t" r="r" b="b"/>
-            <a:pathLst>
-              <a:path w="18288000" h="10287000">
-                <a:moveTo>
-                  <a:pt x="0" y="0"/>
-                </a:moveTo>
-                <a:lnTo>
-                  <a:pt x="18288000" y="0"/>
-                </a:lnTo>
-                <a:lnTo>
-                  <a:pt x="18288000" y="10287000"/>
-                </a:lnTo>
-                <a:lnTo>
-                  <a:pt x="0" y="10287000"/>
-                </a:lnTo>
-                <a:lnTo>
-                  <a:pt x="0" y="0"/>
-                </a:lnTo>
-                <a:close/>
-              </a:path>
-            </a:pathLst>
-          </a:custGeom>
-          <a:blipFill>
-            <a:blip r:embed="rId2"/>
-            <a:stretch>
-              <a:fillRect t="-814" b="-814"/>
-            </a:stretch>
-          </a:blipFill>
-        </p:spPr>
-      </p:sp>
-      <p:grpSp>
-        <p:nvGrpSpPr>
-          <p:cNvPr id="3" name="Group 3"/>
-          <p:cNvGrpSpPr/>
-          <p:nvPr/>
-        </p:nvGrpSpPr>
-        <p:grpSpPr>
-          <a:xfrm>
-            <a:off x="200114" y="3619501"/>
-            <a:ext cx="9553486" cy="5105400"/>
-            <a:chOff x="0" y="0"/>
-            <a:chExt cx="2362204" cy="2222615"/>
-          </a:xfrm>
-        </p:grpSpPr>
-        <p:sp>
-          <p:nvSpPr>
-            <p:cNvPr id="4" name="Freeform 4"/>
-            <p:cNvSpPr/>
-            <p:nvPr/>
-          </p:nvSpPr>
-          <p:spPr>
-            <a:xfrm>
-              <a:off x="0" y="0"/>
-              <a:ext cx="2362204" cy="2222615"/>
-            </a:xfrm>
-            <a:custGeom>
-              <a:avLst/>
-              <a:gdLst/>
-              <a:ahLst/>
-              <a:cxnLst/>
-              <a:rect l="l" t="t" r="r" b="b"/>
-              <a:pathLst>
-                <a:path w="2362204" h="2222615">
-                  <a:moveTo>
-                    <a:pt x="54074" y="0"/>
-                  </a:moveTo>
-                  <a:lnTo>
-                    <a:pt x="2308130" y="0"/>
-                  </a:lnTo>
-                  <a:cubicBezTo>
-                    <a:pt x="2337994" y="0"/>
-                    <a:pt x="2362204" y="24210"/>
-                    <a:pt x="2362204" y="54074"/>
-                  </a:cubicBezTo>
-                  <a:lnTo>
-                    <a:pt x="2362204" y="2168541"/>
-                  </a:lnTo>
-                  <a:cubicBezTo>
-                    <a:pt x="2362204" y="2182882"/>
-                    <a:pt x="2356507" y="2196636"/>
-                    <a:pt x="2346366" y="2206777"/>
-                  </a:cubicBezTo>
-                  <a:cubicBezTo>
-                    <a:pt x="2336225" y="2216918"/>
-                    <a:pt x="2322471" y="2222615"/>
-                    <a:pt x="2308130" y="2222615"/>
-                  </a:cubicBezTo>
-                  <a:lnTo>
-                    <a:pt x="54074" y="2222615"/>
-                  </a:lnTo>
-                  <a:cubicBezTo>
-                    <a:pt x="39733" y="2222615"/>
-                    <a:pt x="25979" y="2216918"/>
-                    <a:pt x="15838" y="2206777"/>
-                  </a:cubicBezTo>
-                  <a:cubicBezTo>
-                    <a:pt x="5697" y="2196636"/>
-                    <a:pt x="0" y="2182882"/>
-                    <a:pt x="0" y="2168541"/>
-                  </a:cubicBezTo>
-                  <a:lnTo>
-                    <a:pt x="0" y="54074"/>
-                  </a:lnTo>
-                  <a:cubicBezTo>
-                    <a:pt x="0" y="39733"/>
-                    <a:pt x="5697" y="25979"/>
-                    <a:pt x="15838" y="15838"/>
-                  </a:cubicBezTo>
-                  <a:cubicBezTo>
-                    <a:pt x="25979" y="5697"/>
-                    <a:pt x="39733" y="0"/>
-                    <a:pt x="54074" y="0"/>
-                  </a:cubicBezTo>
-                  <a:close/>
-                </a:path>
-              </a:pathLst>
-            </a:custGeom>
-            <a:solidFill>
-              <a:srgbClr val="FFFFFF">
-                <a:alpha val="74902"/>
-              </a:srgbClr>
-            </a:solidFill>
-          </p:spPr>
-        </p:sp>
-        <p:sp>
-          <p:nvSpPr>
-            <p:cNvPr id="5" name="TextBox 5"/>
-            <p:cNvSpPr txBox="1"/>
-            <p:nvPr/>
-          </p:nvSpPr>
-          <p:spPr>
-            <a:xfrm>
-              <a:off x="0" y="-57150"/>
-              <a:ext cx="2362204" cy="2279765"/>
-            </a:xfrm>
-            <a:prstGeom prst="rect">
-              <a:avLst/>
-            </a:prstGeom>
-          </p:spPr>
-          <p:txBody>
-            <a:bodyPr lIns="50800" tIns="50800" rIns="50800" bIns="50800" rtlCol="0" anchor="ctr"/>
-            <a:lstStyle/>
-            <a:p>
-              <a:pPr algn="ctr">
-                <a:lnSpc>
-                  <a:spcPts val="2659"/>
-                </a:lnSpc>
-                <a:spcBef>
-                  <a:spcPct val="0"/>
-                </a:spcBef>
-              </a:pPr>
-              <a:endParaRPr/>
-            </a:p>
-          </p:txBody>
-        </p:sp>
-      </p:grpSp>
-      <p:sp>
-        <p:nvSpPr>
-          <p:cNvPr id="6" name="TextBox 6"/>
-          <p:cNvSpPr txBox="1"/>
-          <p:nvPr/>
-        </p:nvSpPr>
-        <p:spPr>
-          <a:xfrm>
-            <a:off x="9952568" y="2231259"/>
-            <a:ext cx="5177767" cy="1893675"/>
-          </a:xfrm>
-          <a:prstGeom prst="rect">
-            <a:avLst/>
-          </a:prstGeom>
-        </p:spPr>
-        <p:txBody>
-          <a:bodyPr lIns="0" tIns="0" rIns="0" bIns="0" rtlCol="0" anchor="t">
-            <a:spAutoFit/>
-          </a:bodyPr>
-          <a:lstStyle/>
-          <a:p>
-            <a:pPr algn="l">
-              <a:lnSpc>
-                <a:spcPts val="7238"/>
-              </a:lnSpc>
-            </a:pPr>
-            <a:r>
-              <a:rPr lang="en-US" sz="6082" b="1">
-                <a:solidFill>
-                  <a:srgbClr val="FFFFFF"/>
-                </a:solidFill>
-                <a:latin typeface="Poppins Bold"/>
-                <a:ea typeface="Poppins Bold"/>
-                <a:cs typeface="Poppins Bold"/>
-                <a:sym typeface="Poppins Bold"/>
-              </a:rPr>
-              <a:t>ANÁLISIS Y RESULTADOS</a:t>
-            </a:r>
-          </a:p>
-        </p:txBody>
-      </p:sp>
-      <p:sp>
-        <p:nvSpPr>
-          <p:cNvPr id="8" name="TextBox 8"/>
-          <p:cNvSpPr txBox="1"/>
-          <p:nvPr/>
-        </p:nvSpPr>
-        <p:spPr>
-          <a:xfrm>
-            <a:off x="9952568" y="4755799"/>
-            <a:ext cx="6426475" cy="4616648"/>
-          </a:xfrm>
-          <a:prstGeom prst="rect">
-            <a:avLst/>
-          </a:prstGeom>
-        </p:spPr>
-        <p:txBody>
-          <a:bodyPr lIns="0" tIns="0" rIns="0" bIns="0" rtlCol="0" anchor="t">
-            <a:spAutoFit/>
-          </a:bodyPr>
-          <a:lstStyle/>
-          <a:p>
-            <a:pPr marL="514350" indent="-514350">
-              <a:lnSpc>
-                <a:spcPts val="3582"/>
-              </a:lnSpc>
-              <a:buAutoNum type="alphaLcParenR" startAt="2"/>
-            </a:pPr>
-            <a:r>
-              <a:rPr lang="es-ES" sz="2558" dirty="0" smtClean="0">
-                <a:solidFill>
-                  <a:srgbClr val="FFFFFF"/>
-                </a:solidFill>
-                <a:latin typeface="Poppins"/>
-                <a:ea typeface="Poppins"/>
-                <a:cs typeface="Poppins"/>
-                <a:sym typeface="Poppins"/>
-              </a:rPr>
-              <a:t>Presencia </a:t>
-            </a:r>
-            <a:r>
-              <a:rPr lang="es-ES" sz="2558" dirty="0">
-                <a:solidFill>
-                  <a:srgbClr val="FFFFFF"/>
-                </a:solidFill>
-                <a:latin typeface="Poppins"/>
-                <a:ea typeface="Poppins"/>
-                <a:cs typeface="Poppins"/>
-                <a:sym typeface="Poppins"/>
-              </a:rPr>
-              <a:t>de variabilidad clínica sin </a:t>
-            </a:r>
-            <a:r>
-              <a:rPr lang="es-ES" sz="2558" dirty="0" smtClean="0">
-                <a:solidFill>
-                  <a:srgbClr val="FFFFFF"/>
-                </a:solidFill>
-                <a:latin typeface="Poppins"/>
-                <a:ea typeface="Poppins"/>
-                <a:cs typeface="Poppins"/>
-                <a:sym typeface="Poppins"/>
-              </a:rPr>
-              <a:t>redundancia</a:t>
-            </a:r>
-          </a:p>
-          <a:p>
-            <a:pPr algn="just">
-              <a:lnSpc>
-                <a:spcPts val="3582"/>
-              </a:lnSpc>
-            </a:pPr>
-            <a:r>
-              <a:rPr lang="es-ES" sz="2300" dirty="0">
-                <a:solidFill>
-                  <a:srgbClr val="FFFFFF"/>
-                </a:solidFill>
-                <a:latin typeface="Poppins"/>
-                <a:ea typeface="Poppins"/>
-                <a:cs typeface="Poppins"/>
-                <a:sym typeface="Poppins"/>
-              </a:rPr>
-              <a:t>El análisis de correlación muestra que las variables antropométricas (peso, talla, edad) no están altamente correlacionadas entre sí, lo cual indica que cada una aporta información relevante y única. Esta riqueza de datos permite construir perfiles clínicos más precisos para estrategias preventivas y de manejo individualizado.</a:t>
-            </a:r>
-            <a:endParaRPr lang="en-US" sz="2300" dirty="0">
-              <a:solidFill>
-                <a:srgbClr val="FFFFFF"/>
-              </a:solidFill>
-              <a:latin typeface="Poppins"/>
-              <a:ea typeface="Poppins"/>
-              <a:cs typeface="Poppins"/>
-              <a:sym typeface="Poppins"/>
-            </a:endParaRPr>
-          </a:p>
-        </p:txBody>
-      </p:sp>
-      <p:pic>
-        <p:nvPicPr>
-          <p:cNvPr id="9" name="Imagen 8"/>
-          <p:cNvPicPr>
-            <a:picLocks noChangeAspect="1"/>
-          </p:cNvPicPr>
-          <p:nvPr/>
-        </p:nvPicPr>
-        <p:blipFill>
-          <a:blip r:embed="rId3"/>
-          <a:stretch>
-            <a:fillRect/>
-          </a:stretch>
-        </p:blipFill>
-        <p:spPr>
-          <a:xfrm>
-            <a:off x="470959" y="3933035"/>
-            <a:ext cx="9010650" cy="4438650"/>
-          </a:xfrm>
-          <a:prstGeom prst="rect">
-            <a:avLst/>
-          </a:prstGeom>
-        </p:spPr>
-      </p:pic>
-    </p:spTree>
-    <p:extLst>
-      <p:ext uri="{BB962C8B-B14F-4D97-AF65-F5344CB8AC3E}">
-        <p14:creationId xmlns:p14="http://schemas.microsoft.com/office/powerpoint/2010/main" val="2189798996"/>
-      </p:ext>
-    </p:extLst>
-  </p:cSld>
-  <p:clrMapOvr>
-    <a:masterClrMapping/>
-  </p:clrMapOvr>
-</p:sld>
-</file>
-
-<file path=ppt/slides/slide13.xml><?xml version="1.0" encoding="utf-8"?>
-<p:sld xmlns:a="http://schemas.openxmlformats.org/drawingml/2006/main" xmlns:r="http://schemas.openxmlformats.org/officeDocument/2006/relationships" xmlns:p="http://schemas.openxmlformats.org/presentationml/2006/main">
-  <p:cSld>
-    <p:spTree>
-      <p:nvGrpSpPr>
-        <p:cNvPr id="1" name=""/>
-        <p:cNvGrpSpPr/>
-        <p:nvPr/>
-      </p:nvGrpSpPr>
-      <p:grpSpPr>
-        <a:xfrm>
-          <a:off x="0" y="0"/>
-          <a:ext cx="0" cy="0"/>
-          <a:chOff x="0" y="0"/>
-          <a:chExt cx="0" cy="0"/>
-        </a:xfrm>
-      </p:grpSpPr>
-      <p:sp>
-        <p:nvSpPr>
-          <p:cNvPr id="2" name="Freeform 2"/>
-          <p:cNvSpPr/>
-          <p:nvPr/>
-        </p:nvSpPr>
-        <p:spPr>
-          <a:xfrm>
-            <a:off x="0" y="0"/>
-            <a:ext cx="18288000" cy="10287000"/>
-          </a:xfrm>
-          <a:custGeom>
-            <a:avLst/>
-            <a:gdLst/>
-            <a:ahLst/>
-            <a:cxnLst/>
-            <a:rect l="l" t="t" r="r" b="b"/>
-            <a:pathLst>
-              <a:path w="18288000" h="10287000">
-                <a:moveTo>
-                  <a:pt x="0" y="0"/>
-                </a:moveTo>
-                <a:lnTo>
-                  <a:pt x="18288000" y="0"/>
-                </a:lnTo>
-                <a:lnTo>
-                  <a:pt x="18288000" y="10287000"/>
-                </a:lnTo>
-                <a:lnTo>
-                  <a:pt x="0" y="10287000"/>
-                </a:lnTo>
-                <a:lnTo>
-                  <a:pt x="0" y="0"/>
-                </a:lnTo>
-                <a:close/>
-              </a:path>
-            </a:pathLst>
-          </a:custGeom>
-          <a:blipFill>
-            <a:blip r:embed="rId2"/>
-            <a:stretch>
-              <a:fillRect t="-814" b="-814"/>
-            </a:stretch>
-          </a:blipFill>
-        </p:spPr>
-      </p:sp>
-      <p:grpSp>
-        <p:nvGrpSpPr>
-          <p:cNvPr id="3" name="Group 3"/>
-          <p:cNvGrpSpPr/>
-          <p:nvPr/>
-        </p:nvGrpSpPr>
-        <p:grpSpPr>
-          <a:xfrm>
-            <a:off x="200114" y="3619501"/>
-            <a:ext cx="9553486" cy="5105400"/>
-            <a:chOff x="0" y="0"/>
-            <a:chExt cx="2362204" cy="2222615"/>
-          </a:xfrm>
-        </p:grpSpPr>
-        <p:sp>
-          <p:nvSpPr>
-            <p:cNvPr id="4" name="Freeform 4"/>
-            <p:cNvSpPr/>
-            <p:nvPr/>
-          </p:nvSpPr>
-          <p:spPr>
-            <a:xfrm>
-              <a:off x="0" y="0"/>
-              <a:ext cx="2362204" cy="2222615"/>
-            </a:xfrm>
-            <a:custGeom>
-              <a:avLst/>
-              <a:gdLst/>
-              <a:ahLst/>
-              <a:cxnLst/>
-              <a:rect l="l" t="t" r="r" b="b"/>
-              <a:pathLst>
-                <a:path w="2362204" h="2222615">
-                  <a:moveTo>
-                    <a:pt x="54074" y="0"/>
-                  </a:moveTo>
-                  <a:lnTo>
-                    <a:pt x="2308130" y="0"/>
-                  </a:lnTo>
-                  <a:cubicBezTo>
-                    <a:pt x="2337994" y="0"/>
-                    <a:pt x="2362204" y="24210"/>
-                    <a:pt x="2362204" y="54074"/>
-                  </a:cubicBezTo>
-                  <a:lnTo>
-                    <a:pt x="2362204" y="2168541"/>
-                  </a:lnTo>
-                  <a:cubicBezTo>
-                    <a:pt x="2362204" y="2182882"/>
-                    <a:pt x="2356507" y="2196636"/>
-                    <a:pt x="2346366" y="2206777"/>
-                  </a:cubicBezTo>
-                  <a:cubicBezTo>
-                    <a:pt x="2336225" y="2216918"/>
-                    <a:pt x="2322471" y="2222615"/>
-                    <a:pt x="2308130" y="2222615"/>
-                  </a:cubicBezTo>
-                  <a:lnTo>
-                    <a:pt x="54074" y="2222615"/>
-                  </a:lnTo>
-                  <a:cubicBezTo>
-                    <a:pt x="39733" y="2222615"/>
-                    <a:pt x="25979" y="2216918"/>
-                    <a:pt x="15838" y="2206777"/>
-                  </a:cubicBezTo>
-                  <a:cubicBezTo>
-                    <a:pt x="5697" y="2196636"/>
-                    <a:pt x="0" y="2182882"/>
-                    <a:pt x="0" y="2168541"/>
-                  </a:cubicBezTo>
-                  <a:lnTo>
-                    <a:pt x="0" y="54074"/>
-                  </a:lnTo>
-                  <a:cubicBezTo>
-                    <a:pt x="0" y="39733"/>
-                    <a:pt x="5697" y="25979"/>
-                    <a:pt x="15838" y="15838"/>
-                  </a:cubicBezTo>
-                  <a:cubicBezTo>
-                    <a:pt x="25979" y="5697"/>
-                    <a:pt x="39733" y="0"/>
-                    <a:pt x="54074" y="0"/>
-                  </a:cubicBezTo>
-                  <a:close/>
-                </a:path>
-              </a:pathLst>
-            </a:custGeom>
-            <a:solidFill>
-              <a:srgbClr val="FFFFFF">
-                <a:alpha val="74902"/>
-              </a:srgbClr>
-            </a:solidFill>
-          </p:spPr>
-        </p:sp>
-        <p:sp>
-          <p:nvSpPr>
-            <p:cNvPr id="5" name="TextBox 5"/>
-            <p:cNvSpPr txBox="1"/>
-            <p:nvPr/>
-          </p:nvSpPr>
-          <p:spPr>
-            <a:xfrm>
-              <a:off x="0" y="-57150"/>
-              <a:ext cx="2362204" cy="2279765"/>
-            </a:xfrm>
-            <a:prstGeom prst="rect">
-              <a:avLst/>
-            </a:prstGeom>
-          </p:spPr>
-          <p:txBody>
-            <a:bodyPr lIns="50800" tIns="50800" rIns="50800" bIns="50800" rtlCol="0" anchor="ctr"/>
-            <a:lstStyle/>
-            <a:p>
-              <a:pPr algn="ctr">
-                <a:lnSpc>
-                  <a:spcPts val="2659"/>
-                </a:lnSpc>
-                <a:spcBef>
-                  <a:spcPct val="0"/>
-                </a:spcBef>
-              </a:pPr>
-              <a:endParaRPr/>
-            </a:p>
-          </p:txBody>
-        </p:sp>
-      </p:grpSp>
-      <p:sp>
-        <p:nvSpPr>
-          <p:cNvPr id="6" name="TextBox 6"/>
-          <p:cNvSpPr txBox="1"/>
-          <p:nvPr/>
-        </p:nvSpPr>
-        <p:spPr>
-          <a:xfrm>
-            <a:off x="9952568" y="2231259"/>
-            <a:ext cx="5177767" cy="1893675"/>
-          </a:xfrm>
-          <a:prstGeom prst="rect">
-            <a:avLst/>
-          </a:prstGeom>
-        </p:spPr>
-        <p:txBody>
-          <a:bodyPr lIns="0" tIns="0" rIns="0" bIns="0" rtlCol="0" anchor="t">
-            <a:spAutoFit/>
-          </a:bodyPr>
-          <a:lstStyle/>
-          <a:p>
-            <a:pPr algn="l">
-              <a:lnSpc>
-                <a:spcPts val="7238"/>
-              </a:lnSpc>
-            </a:pPr>
-            <a:r>
-              <a:rPr lang="en-US" sz="6082" b="1">
-                <a:solidFill>
-                  <a:srgbClr val="FFFFFF"/>
-                </a:solidFill>
-                <a:latin typeface="Poppins Bold"/>
-                <a:ea typeface="Poppins Bold"/>
-                <a:cs typeface="Poppins Bold"/>
-                <a:sym typeface="Poppins Bold"/>
-              </a:rPr>
-              <a:t>ANÁLISIS Y RESULTADOS</a:t>
-            </a:r>
-          </a:p>
-        </p:txBody>
-      </p:sp>
-      <p:sp>
-        <p:nvSpPr>
-          <p:cNvPr id="8" name="TextBox 8"/>
-          <p:cNvSpPr txBox="1"/>
-          <p:nvPr/>
-        </p:nvSpPr>
-        <p:spPr>
-          <a:xfrm>
-            <a:off x="9952568" y="4755799"/>
-            <a:ext cx="6426475" cy="4616648"/>
-          </a:xfrm>
-          <a:prstGeom prst="rect">
-            <a:avLst/>
-          </a:prstGeom>
-        </p:spPr>
-        <p:txBody>
-          <a:bodyPr lIns="0" tIns="0" rIns="0" bIns="0" rtlCol="0" anchor="t">
-            <a:spAutoFit/>
-          </a:bodyPr>
-          <a:lstStyle/>
-          <a:p>
-            <a:pPr marL="514350" indent="-514350">
-              <a:lnSpc>
-                <a:spcPts val="3582"/>
-              </a:lnSpc>
-              <a:buAutoNum type="alphaLcParenR" startAt="2"/>
-            </a:pPr>
-            <a:r>
-              <a:rPr lang="es-ES" sz="2558" dirty="0" smtClean="0">
-                <a:solidFill>
-                  <a:srgbClr val="FFFFFF"/>
-                </a:solidFill>
-                <a:latin typeface="Poppins"/>
-                <a:ea typeface="Poppins"/>
-                <a:cs typeface="Poppins"/>
-                <a:sym typeface="Poppins"/>
-              </a:rPr>
-              <a:t>Presencia </a:t>
-            </a:r>
-            <a:r>
-              <a:rPr lang="es-ES" sz="2558" dirty="0">
-                <a:solidFill>
-                  <a:srgbClr val="FFFFFF"/>
-                </a:solidFill>
-                <a:latin typeface="Poppins"/>
-                <a:ea typeface="Poppins"/>
-                <a:cs typeface="Poppins"/>
-                <a:sym typeface="Poppins"/>
-              </a:rPr>
-              <a:t>de variabilidad clínica sin </a:t>
-            </a:r>
-            <a:r>
-              <a:rPr lang="es-ES" sz="2558" dirty="0" smtClean="0">
-                <a:solidFill>
-                  <a:srgbClr val="FFFFFF"/>
-                </a:solidFill>
-                <a:latin typeface="Poppins"/>
-                <a:ea typeface="Poppins"/>
-                <a:cs typeface="Poppins"/>
-                <a:sym typeface="Poppins"/>
-              </a:rPr>
-              <a:t>redundancia</a:t>
-            </a:r>
-          </a:p>
-          <a:p>
-            <a:pPr algn="just">
-              <a:lnSpc>
-                <a:spcPts val="3582"/>
-              </a:lnSpc>
-            </a:pPr>
-            <a:r>
-              <a:rPr lang="es-ES" sz="2300" dirty="0">
-                <a:solidFill>
-                  <a:srgbClr val="FFFFFF"/>
-                </a:solidFill>
-                <a:latin typeface="Poppins"/>
-                <a:ea typeface="Poppins"/>
-                <a:cs typeface="Poppins"/>
-                <a:sym typeface="Poppins"/>
-              </a:rPr>
-              <a:t>El análisis de correlación muestra que las variables antropométricas (peso, talla, edad) no están altamente correlacionadas entre sí, lo cual indica que cada una aporta información relevante y única. Esta riqueza de datos permite construir perfiles clínicos más precisos para estrategias preventivas y de manejo individualizado.</a:t>
-            </a:r>
-            <a:endParaRPr lang="en-US" sz="2300" dirty="0">
-              <a:solidFill>
-                <a:srgbClr val="FFFFFF"/>
-              </a:solidFill>
-              <a:latin typeface="Poppins"/>
-              <a:ea typeface="Poppins"/>
-              <a:cs typeface="Poppins"/>
-              <a:sym typeface="Poppins"/>
-            </a:endParaRPr>
-          </a:p>
-        </p:txBody>
-      </p:sp>
-      <p:pic>
-        <p:nvPicPr>
-          <p:cNvPr id="9" name="Imagen 8"/>
-          <p:cNvPicPr>
-            <a:picLocks noChangeAspect="1"/>
-          </p:cNvPicPr>
-          <p:nvPr/>
-        </p:nvPicPr>
-        <p:blipFill>
-          <a:blip r:embed="rId3"/>
-          <a:stretch>
-            <a:fillRect/>
-          </a:stretch>
-        </p:blipFill>
-        <p:spPr>
-          <a:xfrm>
-            <a:off x="470959" y="3933035"/>
-            <a:ext cx="9010650" cy="4438650"/>
-          </a:xfrm>
-          <a:prstGeom prst="rect">
-            <a:avLst/>
-          </a:prstGeom>
-        </p:spPr>
-      </p:pic>
-    </p:spTree>
-    <p:extLst>
-      <p:ext uri="{BB962C8B-B14F-4D97-AF65-F5344CB8AC3E}">
-        <p14:creationId xmlns:p14="http://schemas.microsoft.com/office/powerpoint/2010/main" val="195370002"/>
-      </p:ext>
-    </p:extLst>
-  </p:cSld>
-  <p:clrMapOvr>
-    <a:masterClrMapping/>
-  </p:clrMapOvr>
-</p:sld>
-</file>
-
-<file path=ppt/slides/slide14.xml><?xml version="1.0" encoding="utf-8"?>
-<p:sld xmlns:a="http://schemas.openxmlformats.org/drawingml/2006/main" xmlns:r="http://schemas.openxmlformats.org/officeDocument/2006/relationships" xmlns:p="http://schemas.openxmlformats.org/presentationml/2006/main">
-  <p:cSld>
-    <p:spTree>
-      <p:nvGrpSpPr>
-        <p:cNvPr id="1" name=""/>
-        <p:cNvGrpSpPr/>
-        <p:nvPr/>
-      </p:nvGrpSpPr>
-      <p:grpSpPr>
-        <a:xfrm>
-          <a:off x="0" y="0"/>
-          <a:ext cx="0" cy="0"/>
-          <a:chOff x="0" y="0"/>
-          <a:chExt cx="0" cy="0"/>
-        </a:xfrm>
-      </p:grpSpPr>
-      <p:sp>
-        <p:nvSpPr>
-          <p:cNvPr id="2" name="Freeform 2"/>
-          <p:cNvSpPr/>
-          <p:nvPr/>
-        </p:nvSpPr>
-        <p:spPr>
-          <a:xfrm>
-            <a:off x="0" y="0"/>
-            <a:ext cx="18288000" cy="10287000"/>
-          </a:xfrm>
-          <a:custGeom>
-            <a:avLst/>
-            <a:gdLst/>
-            <a:ahLst/>
-            <a:cxnLst/>
-            <a:rect l="l" t="t" r="r" b="b"/>
-            <a:pathLst>
-              <a:path w="18288000" h="10287000">
-                <a:moveTo>
-                  <a:pt x="0" y="0"/>
-                </a:moveTo>
-                <a:lnTo>
-                  <a:pt x="18288000" y="0"/>
-                </a:lnTo>
-                <a:lnTo>
-                  <a:pt x="18288000" y="10287000"/>
-                </a:lnTo>
-                <a:lnTo>
-                  <a:pt x="0" y="10287000"/>
-                </a:lnTo>
-                <a:lnTo>
-                  <a:pt x="0" y="0"/>
-                </a:lnTo>
-                <a:close/>
-              </a:path>
-            </a:pathLst>
-          </a:custGeom>
-          <a:blipFill>
-            <a:blip r:embed="rId2"/>
-            <a:stretch>
-              <a:fillRect t="-814" b="-814"/>
-            </a:stretch>
-          </a:blipFill>
-        </p:spPr>
-      </p:sp>
-      <p:grpSp>
-        <p:nvGrpSpPr>
-          <p:cNvPr id="3" name="Group 3"/>
-          <p:cNvGrpSpPr/>
-          <p:nvPr/>
-        </p:nvGrpSpPr>
-        <p:grpSpPr>
-          <a:xfrm>
-            <a:off x="200114" y="3619501"/>
-            <a:ext cx="9553486" cy="5105400"/>
-            <a:chOff x="0" y="0"/>
-            <a:chExt cx="2362204" cy="2222615"/>
-          </a:xfrm>
-        </p:grpSpPr>
-        <p:sp>
-          <p:nvSpPr>
-            <p:cNvPr id="4" name="Freeform 4"/>
-            <p:cNvSpPr/>
-            <p:nvPr/>
-          </p:nvSpPr>
-          <p:spPr>
-            <a:xfrm>
-              <a:off x="0" y="0"/>
-              <a:ext cx="2362204" cy="2222615"/>
-            </a:xfrm>
-            <a:custGeom>
-              <a:avLst/>
-              <a:gdLst/>
-              <a:ahLst/>
-              <a:cxnLst/>
-              <a:rect l="l" t="t" r="r" b="b"/>
-              <a:pathLst>
-                <a:path w="2362204" h="2222615">
-                  <a:moveTo>
-                    <a:pt x="54074" y="0"/>
-                  </a:moveTo>
-                  <a:lnTo>
-                    <a:pt x="2308130" y="0"/>
-                  </a:lnTo>
-                  <a:cubicBezTo>
-                    <a:pt x="2337994" y="0"/>
-                    <a:pt x="2362204" y="24210"/>
-                    <a:pt x="2362204" y="54074"/>
-                  </a:cubicBezTo>
-                  <a:lnTo>
-                    <a:pt x="2362204" y="2168541"/>
-                  </a:lnTo>
-                  <a:cubicBezTo>
-                    <a:pt x="2362204" y="2182882"/>
-                    <a:pt x="2356507" y="2196636"/>
-                    <a:pt x="2346366" y="2206777"/>
-                  </a:cubicBezTo>
-                  <a:cubicBezTo>
-                    <a:pt x="2336225" y="2216918"/>
-                    <a:pt x="2322471" y="2222615"/>
-                    <a:pt x="2308130" y="2222615"/>
-                  </a:cubicBezTo>
-                  <a:lnTo>
-                    <a:pt x="54074" y="2222615"/>
-                  </a:lnTo>
-                  <a:cubicBezTo>
-                    <a:pt x="39733" y="2222615"/>
-                    <a:pt x="25979" y="2216918"/>
-                    <a:pt x="15838" y="2206777"/>
-                  </a:cubicBezTo>
-                  <a:cubicBezTo>
-                    <a:pt x="5697" y="2196636"/>
-                    <a:pt x="0" y="2182882"/>
-                    <a:pt x="0" y="2168541"/>
-                  </a:cubicBezTo>
-                  <a:lnTo>
-                    <a:pt x="0" y="54074"/>
-                  </a:lnTo>
-                  <a:cubicBezTo>
-                    <a:pt x="0" y="39733"/>
-                    <a:pt x="5697" y="25979"/>
-                    <a:pt x="15838" y="15838"/>
-                  </a:cubicBezTo>
-                  <a:cubicBezTo>
-                    <a:pt x="25979" y="5697"/>
-                    <a:pt x="39733" y="0"/>
-                    <a:pt x="54074" y="0"/>
-                  </a:cubicBezTo>
-                  <a:close/>
-                </a:path>
-              </a:pathLst>
-            </a:custGeom>
-            <a:solidFill>
-              <a:srgbClr val="FFFFFF">
-                <a:alpha val="74902"/>
-              </a:srgbClr>
-            </a:solidFill>
-          </p:spPr>
-        </p:sp>
-        <p:sp>
-          <p:nvSpPr>
-            <p:cNvPr id="5" name="TextBox 5"/>
-            <p:cNvSpPr txBox="1"/>
-            <p:nvPr/>
-          </p:nvSpPr>
-          <p:spPr>
-            <a:xfrm>
-              <a:off x="0" y="-57150"/>
-              <a:ext cx="2362204" cy="2279765"/>
-            </a:xfrm>
-            <a:prstGeom prst="rect">
-              <a:avLst/>
-            </a:prstGeom>
-          </p:spPr>
-          <p:txBody>
-            <a:bodyPr lIns="50800" tIns="50800" rIns="50800" bIns="50800" rtlCol="0" anchor="ctr"/>
-            <a:lstStyle/>
-            <a:p>
-              <a:pPr algn="ctr">
-                <a:lnSpc>
-                  <a:spcPts val="2659"/>
-                </a:lnSpc>
-                <a:spcBef>
-                  <a:spcPct val="0"/>
-                </a:spcBef>
-              </a:pPr>
-              <a:endParaRPr/>
-            </a:p>
-          </p:txBody>
-        </p:sp>
-      </p:grpSp>
-      <p:sp>
-        <p:nvSpPr>
-          <p:cNvPr id="6" name="TextBox 6"/>
-          <p:cNvSpPr txBox="1"/>
-          <p:nvPr/>
-        </p:nvSpPr>
-        <p:spPr>
-          <a:xfrm>
-            <a:off x="9952568" y="2231259"/>
-            <a:ext cx="5177767" cy="1893675"/>
-          </a:xfrm>
-          <a:prstGeom prst="rect">
-            <a:avLst/>
-          </a:prstGeom>
-        </p:spPr>
-        <p:txBody>
-          <a:bodyPr lIns="0" tIns="0" rIns="0" bIns="0" rtlCol="0" anchor="t">
-            <a:spAutoFit/>
-          </a:bodyPr>
-          <a:lstStyle/>
-          <a:p>
-            <a:pPr algn="l">
-              <a:lnSpc>
-                <a:spcPts val="7238"/>
-              </a:lnSpc>
-            </a:pPr>
-            <a:r>
-              <a:rPr lang="en-US" sz="6082" b="1">
-                <a:solidFill>
-                  <a:srgbClr val="FFFFFF"/>
-                </a:solidFill>
-                <a:latin typeface="Poppins Bold"/>
-                <a:ea typeface="Poppins Bold"/>
-                <a:cs typeface="Poppins Bold"/>
-                <a:sym typeface="Poppins Bold"/>
-              </a:rPr>
-              <a:t>ANÁLISIS Y RESULTADOS</a:t>
-            </a:r>
-          </a:p>
-        </p:txBody>
-      </p:sp>
-      <p:sp>
-        <p:nvSpPr>
-          <p:cNvPr id="8" name="TextBox 8"/>
-          <p:cNvSpPr txBox="1"/>
-          <p:nvPr/>
-        </p:nvSpPr>
-        <p:spPr>
-          <a:xfrm>
-            <a:off x="9952568" y="4755799"/>
-            <a:ext cx="6426475" cy="4122154"/>
-          </a:xfrm>
-          <a:prstGeom prst="rect">
-            <a:avLst/>
-          </a:prstGeom>
-        </p:spPr>
-        <p:txBody>
-          <a:bodyPr lIns="0" tIns="0" rIns="0" bIns="0" rtlCol="0" anchor="t">
-            <a:spAutoFit/>
-          </a:bodyPr>
-          <a:lstStyle/>
-          <a:p>
-            <a:pPr marL="514350" indent="-514350">
-              <a:lnSpc>
-                <a:spcPts val="3582"/>
-              </a:lnSpc>
-              <a:buFont typeface="+mj-lt"/>
-              <a:buAutoNum type="alphaLcParenR" startAt="3"/>
-            </a:pPr>
-            <a:r>
-              <a:rPr lang="es-ES" sz="2558" dirty="0" smtClean="0">
-                <a:solidFill>
-                  <a:srgbClr val="FFFFFF"/>
-                </a:solidFill>
-                <a:latin typeface="Poppins"/>
-                <a:ea typeface="Poppins"/>
-                <a:cs typeface="Poppins"/>
-                <a:sym typeface="Poppins"/>
-              </a:rPr>
-              <a:t>Segmentación </a:t>
-            </a:r>
-            <a:r>
-              <a:rPr lang="es-ES" sz="2558" dirty="0">
-                <a:solidFill>
-                  <a:srgbClr val="FFFFFF"/>
-                </a:solidFill>
-                <a:latin typeface="Poppins"/>
-                <a:ea typeface="Poppins"/>
-                <a:cs typeface="Poppins"/>
-                <a:sym typeface="Poppins"/>
-              </a:rPr>
-              <a:t>poblacional significativa mediante técnicas de </a:t>
-            </a:r>
-            <a:r>
-              <a:rPr lang="es-ES" sz="2558" dirty="0" err="1" smtClean="0">
-                <a:solidFill>
-                  <a:srgbClr val="FFFFFF"/>
-                </a:solidFill>
-                <a:latin typeface="Poppins"/>
-                <a:ea typeface="Poppins"/>
-                <a:cs typeface="Poppins"/>
-                <a:sym typeface="Poppins"/>
-              </a:rPr>
-              <a:t>clustering</a:t>
-            </a:r>
-            <a:endParaRPr lang="es-ES" sz="2558" dirty="0" smtClean="0">
-              <a:solidFill>
-                <a:srgbClr val="FFFFFF"/>
-              </a:solidFill>
-              <a:latin typeface="Poppins"/>
-              <a:ea typeface="Poppins"/>
-              <a:cs typeface="Poppins"/>
-              <a:sym typeface="Poppins"/>
-            </a:endParaRPr>
-          </a:p>
-          <a:p>
-            <a:pPr algn="just">
-              <a:lnSpc>
-                <a:spcPts val="3582"/>
-              </a:lnSpc>
-            </a:pPr>
-            <a:r>
-              <a:rPr lang="es-ES" sz="2300" dirty="0">
-                <a:solidFill>
-                  <a:srgbClr val="FFFFFF"/>
-                </a:solidFill>
-                <a:latin typeface="Poppins"/>
-                <a:ea typeface="Poppins"/>
-                <a:cs typeface="Poppins"/>
-                <a:sym typeface="Poppins"/>
-              </a:rPr>
-              <a:t>Mediante algoritmos de agrupamiento, se identificaron tres grupos distintos de pacientes con características similares. Esto permite diseñar protocolos diferenciados según perfil, implementar intervenciones </a:t>
-            </a:r>
-            <a:r>
-              <a:rPr lang="es-ES" sz="2300" dirty="0" smtClean="0">
-                <a:solidFill>
-                  <a:srgbClr val="FFFFFF"/>
-                </a:solidFill>
-                <a:latin typeface="Poppins"/>
-                <a:ea typeface="Poppins"/>
-                <a:cs typeface="Poppins"/>
-                <a:sym typeface="Poppins"/>
-              </a:rPr>
-              <a:t>específicas.</a:t>
-            </a:r>
-            <a:endParaRPr lang="en-US" sz="2300" dirty="0">
-              <a:solidFill>
-                <a:srgbClr val="FFFFFF"/>
-              </a:solidFill>
-              <a:latin typeface="Poppins"/>
-              <a:ea typeface="Poppins"/>
-              <a:cs typeface="Poppins"/>
-              <a:sym typeface="Poppins"/>
-            </a:endParaRPr>
-          </a:p>
-        </p:txBody>
-      </p:sp>
-      <p:pic>
-        <p:nvPicPr>
-          <p:cNvPr id="9" name="Imagen 8"/>
-          <p:cNvPicPr>
-            <a:picLocks noChangeAspect="1"/>
-          </p:cNvPicPr>
-          <p:nvPr/>
-        </p:nvPicPr>
-        <p:blipFill>
-          <a:blip r:embed="rId3"/>
-          <a:stretch>
-            <a:fillRect/>
-          </a:stretch>
-        </p:blipFill>
-        <p:spPr>
-          <a:xfrm>
-            <a:off x="470959" y="3933035"/>
-            <a:ext cx="9010650" cy="4438650"/>
-          </a:xfrm>
-          <a:prstGeom prst="rect">
-            <a:avLst/>
-          </a:prstGeom>
-        </p:spPr>
-      </p:pic>
-    </p:spTree>
-    <p:extLst>
-      <p:ext uri="{BB962C8B-B14F-4D97-AF65-F5344CB8AC3E}">
-        <p14:creationId xmlns:p14="http://schemas.microsoft.com/office/powerpoint/2010/main" val="1717689488"/>
-      </p:ext>
-    </p:extLst>
-  </p:cSld>
-  <p:clrMapOvr>
-    <a:masterClrMapping/>
-  </p:clrMapOvr>
-</p:sld>
-</file>
-
-<file path=ppt/slides/slide15.xml><?xml version="1.0" encoding="utf-8"?>
-<p:sld xmlns:a="http://schemas.openxmlformats.org/drawingml/2006/main" xmlns:r="http://schemas.openxmlformats.org/officeDocument/2006/relationships" xmlns:p="http://schemas.openxmlformats.org/presentationml/2006/main">
-  <p:cSld>
-    <p:spTree>
-      <p:nvGrpSpPr>
-        <p:cNvPr id="1" name=""/>
-        <p:cNvGrpSpPr/>
-        <p:nvPr/>
-      </p:nvGrpSpPr>
-      <p:grpSpPr>
-        <a:xfrm>
-          <a:off x="0" y="0"/>
-          <a:ext cx="0" cy="0"/>
-          <a:chOff x="0" y="0"/>
-          <a:chExt cx="0" cy="0"/>
-        </a:xfrm>
-      </p:grpSpPr>
-      <p:sp>
-        <p:nvSpPr>
-          <p:cNvPr id="2" name="Freeform 2"/>
-          <p:cNvSpPr/>
-          <p:nvPr/>
-        </p:nvSpPr>
-        <p:spPr>
-          <a:xfrm>
-            <a:off x="0" y="0"/>
-            <a:ext cx="18288000" cy="10287000"/>
-          </a:xfrm>
-          <a:custGeom>
-            <a:avLst/>
-            <a:gdLst/>
-            <a:ahLst/>
-            <a:cxnLst/>
-            <a:rect l="l" t="t" r="r" b="b"/>
-            <a:pathLst>
-              <a:path w="18288000" h="10287000">
-                <a:moveTo>
-                  <a:pt x="0" y="0"/>
-                </a:moveTo>
-                <a:lnTo>
-                  <a:pt x="18288000" y="0"/>
-                </a:lnTo>
-                <a:lnTo>
-                  <a:pt x="18288000" y="10287000"/>
-                </a:lnTo>
-                <a:lnTo>
-                  <a:pt x="0" y="10287000"/>
-                </a:lnTo>
-                <a:lnTo>
-                  <a:pt x="0" y="0"/>
-                </a:lnTo>
-                <a:close/>
-              </a:path>
-            </a:pathLst>
-          </a:custGeom>
-          <a:blipFill>
-            <a:blip r:embed="rId2"/>
-            <a:stretch>
-              <a:fillRect t="-814" b="-814"/>
-            </a:stretch>
-          </a:blipFill>
-        </p:spPr>
-      </p:sp>
-      <p:grpSp>
-        <p:nvGrpSpPr>
-          <p:cNvPr id="3" name="Group 3"/>
-          <p:cNvGrpSpPr/>
-          <p:nvPr/>
-        </p:nvGrpSpPr>
-        <p:grpSpPr>
-          <a:xfrm>
-            <a:off x="200114" y="3619501"/>
-            <a:ext cx="9553486" cy="5105400"/>
-            <a:chOff x="0" y="0"/>
-            <a:chExt cx="2362204" cy="2222615"/>
-          </a:xfrm>
-        </p:grpSpPr>
-        <p:sp>
-          <p:nvSpPr>
-            <p:cNvPr id="4" name="Freeform 4"/>
-            <p:cNvSpPr/>
-            <p:nvPr/>
-          </p:nvSpPr>
-          <p:spPr>
-            <a:xfrm>
-              <a:off x="0" y="0"/>
-              <a:ext cx="2362204" cy="2222615"/>
-            </a:xfrm>
-            <a:custGeom>
-              <a:avLst/>
-              <a:gdLst/>
-              <a:ahLst/>
-              <a:cxnLst/>
-              <a:rect l="l" t="t" r="r" b="b"/>
-              <a:pathLst>
-                <a:path w="2362204" h="2222615">
-                  <a:moveTo>
-                    <a:pt x="54074" y="0"/>
-                  </a:moveTo>
-                  <a:lnTo>
-                    <a:pt x="2308130" y="0"/>
-                  </a:lnTo>
-                  <a:cubicBezTo>
-                    <a:pt x="2337994" y="0"/>
-                    <a:pt x="2362204" y="24210"/>
-                    <a:pt x="2362204" y="54074"/>
-                  </a:cubicBezTo>
-                  <a:lnTo>
-                    <a:pt x="2362204" y="2168541"/>
-                  </a:lnTo>
-                  <a:cubicBezTo>
-                    <a:pt x="2362204" y="2182882"/>
-                    <a:pt x="2356507" y="2196636"/>
-                    <a:pt x="2346366" y="2206777"/>
-                  </a:cubicBezTo>
-                  <a:cubicBezTo>
-                    <a:pt x="2336225" y="2216918"/>
-                    <a:pt x="2322471" y="2222615"/>
-                    <a:pt x="2308130" y="2222615"/>
-                  </a:cubicBezTo>
-                  <a:lnTo>
-                    <a:pt x="54074" y="2222615"/>
-                  </a:lnTo>
-                  <a:cubicBezTo>
-                    <a:pt x="39733" y="2222615"/>
-                    <a:pt x="25979" y="2216918"/>
-                    <a:pt x="15838" y="2206777"/>
-                  </a:cubicBezTo>
-                  <a:cubicBezTo>
-                    <a:pt x="5697" y="2196636"/>
-                    <a:pt x="0" y="2182882"/>
-                    <a:pt x="0" y="2168541"/>
-                  </a:cubicBezTo>
-                  <a:lnTo>
-                    <a:pt x="0" y="54074"/>
-                  </a:lnTo>
-                  <a:cubicBezTo>
-                    <a:pt x="0" y="39733"/>
-                    <a:pt x="5697" y="25979"/>
-                    <a:pt x="15838" y="15838"/>
-                  </a:cubicBezTo>
-                  <a:cubicBezTo>
-                    <a:pt x="25979" y="5697"/>
-                    <a:pt x="39733" y="0"/>
-                    <a:pt x="54074" y="0"/>
-                  </a:cubicBezTo>
-                  <a:close/>
-                </a:path>
-              </a:pathLst>
-            </a:custGeom>
-            <a:solidFill>
-              <a:srgbClr val="FFFFFF">
-                <a:alpha val="74902"/>
-              </a:srgbClr>
-            </a:solidFill>
-          </p:spPr>
-        </p:sp>
-        <p:sp>
-          <p:nvSpPr>
-            <p:cNvPr id="5" name="TextBox 5"/>
-            <p:cNvSpPr txBox="1"/>
-            <p:nvPr/>
-          </p:nvSpPr>
-          <p:spPr>
-            <a:xfrm>
-              <a:off x="0" y="-57150"/>
-              <a:ext cx="2362204" cy="2279765"/>
-            </a:xfrm>
-            <a:prstGeom prst="rect">
-              <a:avLst/>
-            </a:prstGeom>
-          </p:spPr>
-          <p:txBody>
-            <a:bodyPr lIns="50800" tIns="50800" rIns="50800" bIns="50800" rtlCol="0" anchor="ctr"/>
-            <a:lstStyle/>
-            <a:p>
-              <a:pPr algn="ctr">
-                <a:lnSpc>
-                  <a:spcPts val="2659"/>
-                </a:lnSpc>
-                <a:spcBef>
-                  <a:spcPct val="0"/>
-                </a:spcBef>
-              </a:pPr>
-              <a:endParaRPr/>
-            </a:p>
-          </p:txBody>
-        </p:sp>
-      </p:grpSp>
-      <p:sp>
-        <p:nvSpPr>
-          <p:cNvPr id="6" name="TextBox 6"/>
-          <p:cNvSpPr txBox="1"/>
-          <p:nvPr/>
-        </p:nvSpPr>
-        <p:spPr>
-          <a:xfrm>
-            <a:off x="9952568" y="2231259"/>
-            <a:ext cx="5177767" cy="1893675"/>
-          </a:xfrm>
-          <a:prstGeom prst="rect">
-            <a:avLst/>
-          </a:prstGeom>
-        </p:spPr>
-        <p:txBody>
-          <a:bodyPr lIns="0" tIns="0" rIns="0" bIns="0" rtlCol="0" anchor="t">
-            <a:spAutoFit/>
-          </a:bodyPr>
-          <a:lstStyle/>
-          <a:p>
-            <a:pPr algn="l">
-              <a:lnSpc>
-                <a:spcPts val="7238"/>
-              </a:lnSpc>
-            </a:pPr>
-            <a:r>
-              <a:rPr lang="en-US" sz="6082" b="1">
-                <a:solidFill>
-                  <a:srgbClr val="FFFFFF"/>
-                </a:solidFill>
-                <a:latin typeface="Poppins Bold"/>
-                <a:ea typeface="Poppins Bold"/>
-                <a:cs typeface="Poppins Bold"/>
-                <a:sym typeface="Poppins Bold"/>
-              </a:rPr>
-              <a:t>ANÁLISIS Y RESULTADOS</a:t>
-            </a:r>
-          </a:p>
-        </p:txBody>
-      </p:sp>
-      <p:sp>
-        <p:nvSpPr>
-          <p:cNvPr id="8" name="TextBox 8"/>
-          <p:cNvSpPr txBox="1"/>
-          <p:nvPr/>
-        </p:nvSpPr>
-        <p:spPr>
-          <a:xfrm>
-            <a:off x="9952568" y="4755799"/>
-            <a:ext cx="6426475" cy="4583819"/>
-          </a:xfrm>
-          <a:prstGeom prst="rect">
-            <a:avLst/>
-          </a:prstGeom>
-        </p:spPr>
-        <p:txBody>
-          <a:bodyPr lIns="0" tIns="0" rIns="0" bIns="0" rtlCol="0" anchor="t">
-            <a:spAutoFit/>
-          </a:bodyPr>
-          <a:lstStyle/>
-          <a:p>
-            <a:pPr marL="514350" indent="-514350">
-              <a:lnSpc>
-                <a:spcPts val="3582"/>
-              </a:lnSpc>
-              <a:buFont typeface="+mj-lt"/>
-              <a:buAutoNum type="alphaLcParenR" startAt="4"/>
-            </a:pPr>
-            <a:r>
-              <a:rPr lang="es-ES" sz="2558" dirty="0" smtClean="0">
-                <a:solidFill>
-                  <a:srgbClr val="FFFFFF"/>
-                </a:solidFill>
-                <a:latin typeface="Poppins"/>
-                <a:ea typeface="Poppins"/>
-                <a:cs typeface="Poppins"/>
-                <a:sym typeface="Poppins"/>
-              </a:rPr>
-              <a:t>Valoraciones </a:t>
-            </a:r>
-            <a:r>
-              <a:rPr lang="es-ES" sz="2558" dirty="0">
-                <a:solidFill>
-                  <a:srgbClr val="FFFFFF"/>
-                </a:solidFill>
-                <a:latin typeface="Poppins"/>
-                <a:ea typeface="Poppins"/>
-                <a:cs typeface="Poppins"/>
-                <a:sym typeface="Poppins"/>
-              </a:rPr>
-              <a:t>de tendencia temporal para reforzar vigilancia </a:t>
-            </a:r>
-            <a:r>
-              <a:rPr lang="es-ES" sz="2558" dirty="0" smtClean="0">
-                <a:solidFill>
-                  <a:srgbClr val="FFFFFF"/>
-                </a:solidFill>
-                <a:latin typeface="Poppins"/>
-                <a:ea typeface="Poppins"/>
-                <a:cs typeface="Poppins"/>
-                <a:sym typeface="Poppins"/>
-              </a:rPr>
-              <a:t>sanitaria</a:t>
-            </a:r>
-          </a:p>
-          <a:p>
-            <a:pPr algn="just">
-              <a:lnSpc>
-                <a:spcPts val="3582"/>
-              </a:lnSpc>
-            </a:pPr>
-            <a:r>
-              <a:rPr lang="es-ES" sz="2300" dirty="0">
-                <a:solidFill>
-                  <a:srgbClr val="FFFFFF"/>
-                </a:solidFill>
-                <a:latin typeface="Poppins"/>
-                <a:ea typeface="Poppins"/>
-                <a:cs typeface="Poppins"/>
-                <a:sym typeface="Poppins"/>
-              </a:rPr>
-              <a:t>El análisis por meses permite detectar períodos con mayor carga asistencial. Esta información debe ser utilizada para fortalecer el sistema de vigilancia epidemiológica, distribuir personal y reforzar campañas específicas en los meses de mayor demanda.</a:t>
-            </a:r>
-            <a:endParaRPr lang="en-US" sz="2300" dirty="0">
-              <a:solidFill>
-                <a:srgbClr val="FFFFFF"/>
-              </a:solidFill>
-              <a:latin typeface="Poppins"/>
-              <a:ea typeface="Poppins"/>
-              <a:cs typeface="Poppins"/>
-              <a:sym typeface="Poppins"/>
-            </a:endParaRPr>
-          </a:p>
-        </p:txBody>
-      </p:sp>
-      <p:pic>
-        <p:nvPicPr>
-          <p:cNvPr id="9" name="Imagen 8"/>
-          <p:cNvPicPr>
-            <a:picLocks noChangeAspect="1"/>
-          </p:cNvPicPr>
-          <p:nvPr/>
-        </p:nvPicPr>
-        <p:blipFill>
-          <a:blip r:embed="rId3"/>
-          <a:stretch>
-            <a:fillRect/>
-          </a:stretch>
-        </p:blipFill>
-        <p:spPr>
-          <a:xfrm>
-            <a:off x="470959" y="3933035"/>
-            <a:ext cx="9010650" cy="4438650"/>
-          </a:xfrm>
-          <a:prstGeom prst="rect">
-            <a:avLst/>
-          </a:prstGeom>
-        </p:spPr>
-      </p:pic>
-    </p:spTree>
-    <p:extLst>
-      <p:ext uri="{BB962C8B-B14F-4D97-AF65-F5344CB8AC3E}">
-        <p14:creationId xmlns:p14="http://schemas.microsoft.com/office/powerpoint/2010/main" val="1227870984"/>
-      </p:ext>
-    </p:extLst>
-  </p:cSld>
-  <p:clrMapOvr>
-    <a:masterClrMapping/>
-  </p:clrMapOvr>
-</p:sld>
-</file>
-
-<file path=ppt/slides/slide16.xml><?xml version="1.0" encoding="utf-8"?>
-<p:sld xmlns:a="http://schemas.openxmlformats.org/drawingml/2006/main" xmlns:r="http://schemas.openxmlformats.org/officeDocument/2006/relationships" xmlns:p="http://schemas.openxmlformats.org/presentationml/2006/main">
-  <p:cSld>
-    <p:spTree>
-      <p:nvGrpSpPr>
-        <p:cNvPr id="1" name=""/>
-        <p:cNvGrpSpPr/>
-        <p:nvPr/>
-      </p:nvGrpSpPr>
-      <p:grpSpPr>
-        <a:xfrm>
-          <a:off x="0" y="0"/>
-          <a:ext cx="0" cy="0"/>
-          <a:chOff x="0" y="0"/>
-          <a:chExt cx="0" cy="0"/>
-        </a:xfrm>
-      </p:grpSpPr>
-      <p:sp>
-        <p:nvSpPr>
-          <p:cNvPr id="2" name="Freeform 2"/>
-          <p:cNvSpPr/>
-          <p:nvPr/>
-        </p:nvSpPr>
-        <p:spPr>
-          <a:xfrm>
-            <a:off x="0" y="0"/>
-            <a:ext cx="18288000" cy="10287000"/>
-          </a:xfrm>
-          <a:custGeom>
-            <a:avLst/>
-            <a:gdLst/>
-            <a:ahLst/>
-            <a:cxnLst/>
-            <a:rect l="l" t="t" r="r" b="b"/>
-            <a:pathLst>
-              <a:path w="18288000" h="10287000">
-                <a:moveTo>
-                  <a:pt x="0" y="0"/>
-                </a:moveTo>
-                <a:lnTo>
-                  <a:pt x="18288000" y="0"/>
-                </a:lnTo>
-                <a:lnTo>
-                  <a:pt x="18288000" y="10287000"/>
-                </a:lnTo>
-                <a:lnTo>
-                  <a:pt x="0" y="10287000"/>
-                </a:lnTo>
-                <a:lnTo>
-                  <a:pt x="0" y="0"/>
-                </a:lnTo>
-                <a:close/>
-              </a:path>
-            </a:pathLst>
-          </a:custGeom>
-          <a:blipFill>
-            <a:blip r:embed="rId2"/>
-            <a:stretch>
-              <a:fillRect t="-814" b="-814"/>
-            </a:stretch>
-          </a:blipFill>
-        </p:spPr>
-      </p:sp>
-      <p:grpSp>
-        <p:nvGrpSpPr>
-          <p:cNvPr id="3" name="Group 3"/>
-          <p:cNvGrpSpPr/>
-          <p:nvPr/>
-        </p:nvGrpSpPr>
-        <p:grpSpPr>
-          <a:xfrm>
-            <a:off x="200114" y="3619501"/>
-            <a:ext cx="9553486" cy="5105400"/>
-            <a:chOff x="0" y="0"/>
-            <a:chExt cx="2362204" cy="2222615"/>
-          </a:xfrm>
-        </p:grpSpPr>
-        <p:sp>
-          <p:nvSpPr>
-            <p:cNvPr id="4" name="Freeform 4"/>
-            <p:cNvSpPr/>
-            <p:nvPr/>
-          </p:nvSpPr>
-          <p:spPr>
-            <a:xfrm>
-              <a:off x="0" y="0"/>
-              <a:ext cx="2362204" cy="2222615"/>
-            </a:xfrm>
-            <a:custGeom>
-              <a:avLst/>
-              <a:gdLst/>
-              <a:ahLst/>
-              <a:cxnLst/>
-              <a:rect l="l" t="t" r="r" b="b"/>
-              <a:pathLst>
-                <a:path w="2362204" h="2222615">
-                  <a:moveTo>
-                    <a:pt x="54074" y="0"/>
-                  </a:moveTo>
-                  <a:lnTo>
-                    <a:pt x="2308130" y="0"/>
-                  </a:lnTo>
-                  <a:cubicBezTo>
-                    <a:pt x="2337994" y="0"/>
-                    <a:pt x="2362204" y="24210"/>
-                    <a:pt x="2362204" y="54074"/>
-                  </a:cubicBezTo>
-                  <a:lnTo>
-                    <a:pt x="2362204" y="2168541"/>
-                  </a:lnTo>
-                  <a:cubicBezTo>
-                    <a:pt x="2362204" y="2182882"/>
-                    <a:pt x="2356507" y="2196636"/>
-                    <a:pt x="2346366" y="2206777"/>
-                  </a:cubicBezTo>
-                  <a:cubicBezTo>
-                    <a:pt x="2336225" y="2216918"/>
-                    <a:pt x="2322471" y="2222615"/>
-                    <a:pt x="2308130" y="2222615"/>
-                  </a:cubicBezTo>
-                  <a:lnTo>
-                    <a:pt x="54074" y="2222615"/>
-                  </a:lnTo>
-                  <a:cubicBezTo>
-                    <a:pt x="39733" y="2222615"/>
-                    <a:pt x="25979" y="2216918"/>
-                    <a:pt x="15838" y="2206777"/>
-                  </a:cubicBezTo>
-                  <a:cubicBezTo>
-                    <a:pt x="5697" y="2196636"/>
-                    <a:pt x="0" y="2182882"/>
-                    <a:pt x="0" y="2168541"/>
-                  </a:cubicBezTo>
-                  <a:lnTo>
-                    <a:pt x="0" y="54074"/>
-                  </a:lnTo>
-                  <a:cubicBezTo>
-                    <a:pt x="0" y="39733"/>
-                    <a:pt x="5697" y="25979"/>
-                    <a:pt x="15838" y="15838"/>
-                  </a:cubicBezTo>
-                  <a:cubicBezTo>
-                    <a:pt x="25979" y="5697"/>
-                    <a:pt x="39733" y="0"/>
-                    <a:pt x="54074" y="0"/>
-                  </a:cubicBezTo>
-                  <a:close/>
-                </a:path>
-              </a:pathLst>
-            </a:custGeom>
-            <a:solidFill>
-              <a:srgbClr val="FFFFFF">
-                <a:alpha val="74902"/>
-              </a:srgbClr>
-            </a:solidFill>
-          </p:spPr>
-        </p:sp>
-        <p:sp>
-          <p:nvSpPr>
-            <p:cNvPr id="5" name="TextBox 5"/>
-            <p:cNvSpPr txBox="1"/>
-            <p:nvPr/>
-          </p:nvSpPr>
-          <p:spPr>
-            <a:xfrm>
-              <a:off x="0" y="-57150"/>
-              <a:ext cx="2362204" cy="2279765"/>
-            </a:xfrm>
-            <a:prstGeom prst="rect">
-              <a:avLst/>
-            </a:prstGeom>
-          </p:spPr>
-          <p:txBody>
-            <a:bodyPr lIns="50800" tIns="50800" rIns="50800" bIns="50800" rtlCol="0" anchor="ctr"/>
-            <a:lstStyle/>
-            <a:p>
-              <a:pPr algn="ctr">
-                <a:lnSpc>
-                  <a:spcPts val="2659"/>
-                </a:lnSpc>
-                <a:spcBef>
-                  <a:spcPct val="0"/>
-                </a:spcBef>
-              </a:pPr>
-              <a:endParaRPr/>
-            </a:p>
-          </p:txBody>
-        </p:sp>
-      </p:grpSp>
-      <p:sp>
-        <p:nvSpPr>
-          <p:cNvPr id="6" name="TextBox 6"/>
-          <p:cNvSpPr txBox="1"/>
-          <p:nvPr/>
-        </p:nvSpPr>
-        <p:spPr>
-          <a:xfrm>
-            <a:off x="9952568" y="2231259"/>
-            <a:ext cx="5177767" cy="1893675"/>
-          </a:xfrm>
-          <a:prstGeom prst="rect">
-            <a:avLst/>
-          </a:prstGeom>
-        </p:spPr>
-        <p:txBody>
-          <a:bodyPr lIns="0" tIns="0" rIns="0" bIns="0" rtlCol="0" anchor="t">
-            <a:spAutoFit/>
-          </a:bodyPr>
-          <a:lstStyle/>
-          <a:p>
-            <a:pPr algn="l">
-              <a:lnSpc>
-                <a:spcPts val="7238"/>
-              </a:lnSpc>
-            </a:pPr>
-            <a:r>
-              <a:rPr lang="en-US" sz="6082" b="1">
-                <a:solidFill>
-                  <a:srgbClr val="FFFFFF"/>
-                </a:solidFill>
-                <a:latin typeface="Poppins Bold"/>
-                <a:ea typeface="Poppins Bold"/>
-                <a:cs typeface="Poppins Bold"/>
-                <a:sym typeface="Poppins Bold"/>
-              </a:rPr>
-              <a:t>ANÁLISIS Y RESULTADOS</a:t>
-            </a:r>
-          </a:p>
-        </p:txBody>
-      </p:sp>
-      <p:sp>
-        <p:nvSpPr>
-          <p:cNvPr id="8" name="TextBox 8"/>
-          <p:cNvSpPr txBox="1"/>
-          <p:nvPr/>
-        </p:nvSpPr>
-        <p:spPr>
-          <a:xfrm>
-            <a:off x="9952568" y="4755799"/>
-            <a:ext cx="6426475" cy="4583819"/>
-          </a:xfrm>
-          <a:prstGeom prst="rect">
-            <a:avLst/>
-          </a:prstGeom>
-        </p:spPr>
-        <p:txBody>
-          <a:bodyPr lIns="0" tIns="0" rIns="0" bIns="0" rtlCol="0" anchor="t">
-            <a:spAutoFit/>
-          </a:bodyPr>
-          <a:lstStyle/>
-          <a:p>
-            <a:pPr marL="514350" indent="-514350">
-              <a:lnSpc>
-                <a:spcPts val="3582"/>
-              </a:lnSpc>
-              <a:buFont typeface="+mj-lt"/>
-              <a:buAutoNum type="alphaLcParenR" startAt="5"/>
-            </a:pPr>
-            <a:r>
-              <a:rPr lang="es-ES" sz="2558" dirty="0" smtClean="0">
-                <a:solidFill>
-                  <a:srgbClr val="FFFFFF"/>
-                </a:solidFill>
-                <a:latin typeface="Poppins"/>
-                <a:ea typeface="Poppins"/>
-                <a:cs typeface="Poppins"/>
-                <a:sym typeface="Poppins"/>
-              </a:rPr>
-              <a:t>Identificación </a:t>
-            </a:r>
-            <a:r>
-              <a:rPr lang="es-ES" sz="2558" dirty="0">
-                <a:solidFill>
-                  <a:srgbClr val="FFFFFF"/>
-                </a:solidFill>
-                <a:latin typeface="Poppins"/>
-                <a:ea typeface="Poppins"/>
-                <a:cs typeface="Poppins"/>
-                <a:sym typeface="Poppins"/>
-              </a:rPr>
-              <a:t>de patrones de asociación en </a:t>
-            </a:r>
-            <a:r>
-              <a:rPr lang="es-ES" sz="2558" dirty="0" smtClean="0">
-                <a:solidFill>
-                  <a:srgbClr val="FFFFFF"/>
-                </a:solidFill>
-                <a:latin typeface="Poppins"/>
-                <a:ea typeface="Poppins"/>
-                <a:cs typeface="Poppins"/>
-                <a:sym typeface="Poppins"/>
-              </a:rPr>
-              <a:t>salud.</a:t>
-            </a:r>
-          </a:p>
-          <a:p>
-            <a:pPr algn="just">
-              <a:lnSpc>
-                <a:spcPts val="3582"/>
-              </a:lnSpc>
-            </a:pPr>
-            <a:r>
-              <a:rPr lang="es-ES" sz="2300" dirty="0">
-                <a:solidFill>
-                  <a:srgbClr val="FFFFFF"/>
-                </a:solidFill>
-                <a:latin typeface="Poppins"/>
-                <a:ea typeface="Poppins"/>
-                <a:cs typeface="Poppins"/>
-                <a:sym typeface="Poppins"/>
-              </a:rPr>
-              <a:t>A través del análisis de reglas de asociación, se identifican combinaciones frecuentes de características clínicas (como edad, peso y diagnóstico). Estas asociaciones son útiles para desarrollar alertas clínicas automatizadas, tamizajes dirigidos y acciones preventivas personalizadas.</a:t>
-            </a:r>
-            <a:endParaRPr lang="en-US" sz="2300" dirty="0">
-              <a:solidFill>
-                <a:srgbClr val="FFFFFF"/>
-              </a:solidFill>
-              <a:latin typeface="Poppins"/>
-              <a:ea typeface="Poppins"/>
-              <a:cs typeface="Poppins"/>
-              <a:sym typeface="Poppins"/>
-            </a:endParaRPr>
-          </a:p>
-        </p:txBody>
-      </p:sp>
-      <p:pic>
-        <p:nvPicPr>
-          <p:cNvPr id="9" name="Imagen 8"/>
-          <p:cNvPicPr>
-            <a:picLocks noChangeAspect="1"/>
-          </p:cNvPicPr>
-          <p:nvPr/>
-        </p:nvPicPr>
-        <p:blipFill>
-          <a:blip r:embed="rId3"/>
-          <a:stretch>
-            <a:fillRect/>
-          </a:stretch>
-        </p:blipFill>
-        <p:spPr>
-          <a:xfrm>
-            <a:off x="470959" y="3933035"/>
-            <a:ext cx="9010650" cy="4438650"/>
+            <a:off x="1318142" y="635556"/>
+            <a:ext cx="6660116" cy="9168287"/>
           </a:xfrm>
           <a:prstGeom prst="rect">
             <a:avLst/>
@@ -5981,7 +5223,7 @@
 </p:sld>
 </file>
 
-<file path=ppt/slides/slide17.xml><?xml version="1.0" encoding="utf-8"?>
+<file path=ppt/slides/slide16.xml><?xml version="1.0" encoding="utf-8"?>
 <p:sld xmlns:a="http://schemas.openxmlformats.org/drawingml/2006/main" xmlns:r="http://schemas.openxmlformats.org/officeDocument/2006/relationships" xmlns:p="http://schemas.openxmlformats.org/presentationml/2006/main">
   <p:cSld>
     <p:spTree>
@@ -6415,7 +5657,7 @@
 </p:sld>
 </file>
 
-<file path=ppt/slides/slide18.xml><?xml version="1.0" encoding="utf-8"?>
+<file path=ppt/slides/slide17.xml><?xml version="1.0" encoding="utf-8"?>
 <p:sld xmlns:a="http://schemas.openxmlformats.org/drawingml/2006/main" xmlns:r="http://schemas.openxmlformats.org/officeDocument/2006/relationships" xmlns:p="http://schemas.openxmlformats.org/presentationml/2006/main">
   <p:cSld>
     <p:spTree>
@@ -6787,7 +6029,7 @@
 </p:sld>
 </file>
 
-<file path=ppt/slides/slide19.xml><?xml version="1.0" encoding="utf-8"?>
+<file path=ppt/slides/slide18.xml><?xml version="1.0" encoding="utf-8"?>
 <p:sld xmlns:a="http://schemas.openxmlformats.org/drawingml/2006/main" xmlns:r="http://schemas.openxmlformats.org/officeDocument/2006/relationships" xmlns:p="http://schemas.openxmlformats.org/presentationml/2006/main">
   <p:cSld>
     <p:spTree>
@@ -8312,271 +7554,7 @@
 </p:sld>
 </file>
 
-<file path=ppt/slides/slide2.xml><?xml version="1.0" encoding="utf-8"?>
-<p:sld xmlns:a="http://schemas.openxmlformats.org/drawingml/2006/main" xmlns:r="http://schemas.openxmlformats.org/officeDocument/2006/relationships" xmlns:p="http://schemas.openxmlformats.org/presentationml/2006/main">
-  <p:cSld>
-    <p:spTree>
-      <p:nvGrpSpPr>
-        <p:cNvPr id="1" name=""/>
-        <p:cNvGrpSpPr/>
-        <p:nvPr/>
-      </p:nvGrpSpPr>
-      <p:grpSpPr>
-        <a:xfrm>
-          <a:off x="0" y="0"/>
-          <a:ext cx="0" cy="0"/>
-          <a:chOff x="0" y="0"/>
-          <a:chExt cx="0" cy="0"/>
-        </a:xfrm>
-      </p:grpSpPr>
-      <p:sp>
-        <p:nvSpPr>
-          <p:cNvPr id="2" name="Freeform 2"/>
-          <p:cNvSpPr/>
-          <p:nvPr/>
-        </p:nvSpPr>
-        <p:spPr>
-          <a:xfrm>
-            <a:off x="0" y="0"/>
-            <a:ext cx="18288000" cy="10287000"/>
-          </a:xfrm>
-          <a:custGeom>
-            <a:avLst/>
-            <a:gdLst/>
-            <a:ahLst/>
-            <a:cxnLst/>
-            <a:rect l="l" t="t" r="r" b="b"/>
-            <a:pathLst>
-              <a:path w="18288000" h="10287000">
-                <a:moveTo>
-                  <a:pt x="0" y="0"/>
-                </a:moveTo>
-                <a:lnTo>
-                  <a:pt x="18288000" y="0"/>
-                </a:lnTo>
-                <a:lnTo>
-                  <a:pt x="18288000" y="10287000"/>
-                </a:lnTo>
-                <a:lnTo>
-                  <a:pt x="0" y="10287000"/>
-                </a:lnTo>
-                <a:lnTo>
-                  <a:pt x="0" y="0"/>
-                </a:lnTo>
-                <a:close/>
-              </a:path>
-            </a:pathLst>
-          </a:custGeom>
-          <a:blipFill>
-            <a:blip r:embed="rId2"/>
-            <a:stretch>
-              <a:fillRect t="-814" b="-814"/>
-            </a:stretch>
-          </a:blipFill>
-        </p:spPr>
-      </p:sp>
-      <p:grpSp>
-        <p:nvGrpSpPr>
-          <p:cNvPr id="3" name="Group 3"/>
-          <p:cNvGrpSpPr/>
-          <p:nvPr/>
-        </p:nvGrpSpPr>
-        <p:grpSpPr>
-          <a:xfrm>
-            <a:off x="1634679" y="1442420"/>
-            <a:ext cx="15018641" cy="7402160"/>
-            <a:chOff x="0" y="0"/>
-            <a:chExt cx="3955527" cy="1949540"/>
-          </a:xfrm>
-        </p:grpSpPr>
-        <p:sp>
-          <p:nvSpPr>
-            <p:cNvPr id="4" name="Freeform 4"/>
-            <p:cNvSpPr/>
-            <p:nvPr/>
-          </p:nvSpPr>
-          <p:spPr>
-            <a:xfrm>
-              <a:off x="0" y="0"/>
-              <a:ext cx="3955527" cy="1949540"/>
-            </a:xfrm>
-            <a:custGeom>
-              <a:avLst/>
-              <a:gdLst/>
-              <a:ahLst/>
-              <a:cxnLst/>
-              <a:rect l="l" t="t" r="r" b="b"/>
-              <a:pathLst>
-                <a:path w="3955527" h="1949540">
-                  <a:moveTo>
-                    <a:pt x="26290" y="0"/>
-                  </a:moveTo>
-                  <a:lnTo>
-                    <a:pt x="3929237" y="0"/>
-                  </a:lnTo>
-                  <a:cubicBezTo>
-                    <a:pt x="3943757" y="0"/>
-                    <a:pt x="3955527" y="11770"/>
-                    <a:pt x="3955527" y="26290"/>
-                  </a:cubicBezTo>
-                  <a:lnTo>
-                    <a:pt x="3955527" y="1923250"/>
-                  </a:lnTo>
-                  <a:cubicBezTo>
-                    <a:pt x="3955527" y="1937770"/>
-                    <a:pt x="3943757" y="1949540"/>
-                    <a:pt x="3929237" y="1949540"/>
-                  </a:cubicBezTo>
-                  <a:lnTo>
-                    <a:pt x="26290" y="1949540"/>
-                  </a:lnTo>
-                  <a:cubicBezTo>
-                    <a:pt x="11770" y="1949540"/>
-                    <a:pt x="0" y="1937770"/>
-                    <a:pt x="0" y="1923250"/>
-                  </a:cubicBezTo>
-                  <a:lnTo>
-                    <a:pt x="0" y="26290"/>
-                  </a:lnTo>
-                  <a:cubicBezTo>
-                    <a:pt x="0" y="11770"/>
-                    <a:pt x="11770" y="0"/>
-                    <a:pt x="26290" y="0"/>
-                  </a:cubicBezTo>
-                  <a:close/>
-                </a:path>
-              </a:pathLst>
-            </a:custGeom>
-            <a:solidFill>
-              <a:srgbClr val="FFFFFF">
-                <a:alpha val="74902"/>
-              </a:srgbClr>
-            </a:solidFill>
-          </p:spPr>
-        </p:sp>
-        <p:sp>
-          <p:nvSpPr>
-            <p:cNvPr id="5" name="TextBox 5"/>
-            <p:cNvSpPr txBox="1"/>
-            <p:nvPr/>
-          </p:nvSpPr>
-          <p:spPr>
-            <a:xfrm>
-              <a:off x="0" y="-57150"/>
-              <a:ext cx="3955527" cy="2006690"/>
-            </a:xfrm>
-            <a:prstGeom prst="rect">
-              <a:avLst/>
-            </a:prstGeom>
-          </p:spPr>
-          <p:txBody>
-            <a:bodyPr lIns="50800" tIns="50800" rIns="50800" bIns="50800" rtlCol="0" anchor="ctr"/>
-            <a:lstStyle/>
-            <a:p>
-              <a:pPr algn="ctr">
-                <a:lnSpc>
-                  <a:spcPts val="2659"/>
-                </a:lnSpc>
-                <a:spcBef>
-                  <a:spcPct val="0"/>
-                </a:spcBef>
-              </a:pPr>
-              <a:endParaRPr/>
-            </a:p>
-          </p:txBody>
-        </p:sp>
-      </p:grpSp>
-      <p:sp>
-        <p:nvSpPr>
-          <p:cNvPr id="6" name="TextBox 6"/>
-          <p:cNvSpPr txBox="1"/>
-          <p:nvPr/>
-        </p:nvSpPr>
-        <p:spPr>
-          <a:xfrm>
-            <a:off x="5070972" y="2076154"/>
-            <a:ext cx="8146056" cy="1311686"/>
-          </a:xfrm>
-          <a:prstGeom prst="rect">
-            <a:avLst/>
-          </a:prstGeom>
-        </p:spPr>
-        <p:txBody>
-          <a:bodyPr lIns="0" tIns="0" rIns="0" bIns="0" rtlCol="0" anchor="t">
-            <a:spAutoFit/>
-          </a:bodyPr>
-          <a:lstStyle/>
-          <a:p>
-            <a:pPr algn="ctr">
-              <a:lnSpc>
-                <a:spcPts val="10127"/>
-              </a:lnSpc>
-            </a:pPr>
-            <a:r>
-              <a:rPr lang="en-US" sz="7233" b="1">
-                <a:solidFill>
-                  <a:srgbClr val="0A152F"/>
-                </a:solidFill>
-                <a:latin typeface="Poppins Bold"/>
-                <a:ea typeface="Poppins Bold"/>
-                <a:cs typeface="Poppins Bold"/>
-                <a:sym typeface="Poppins Bold"/>
-              </a:rPr>
-              <a:t>TEMA</a:t>
-            </a:r>
-          </a:p>
-        </p:txBody>
-      </p:sp>
-      <p:sp>
-        <p:nvSpPr>
-          <p:cNvPr id="7" name="TextBox 7"/>
-          <p:cNvSpPr txBox="1"/>
-          <p:nvPr/>
-        </p:nvSpPr>
-        <p:spPr>
-          <a:xfrm>
-            <a:off x="3787419" y="4490872"/>
-            <a:ext cx="10713163" cy="1342721"/>
-          </a:xfrm>
-          <a:prstGeom prst="rect">
-            <a:avLst/>
-          </a:prstGeom>
-        </p:spPr>
-        <p:txBody>
-          <a:bodyPr lIns="0" tIns="0" rIns="0" bIns="0" rtlCol="0" anchor="t">
-            <a:spAutoFit/>
-          </a:bodyPr>
-          <a:lstStyle/>
-          <a:p>
-            <a:pPr algn="ctr">
-              <a:lnSpc>
-                <a:spcPts val="5266"/>
-              </a:lnSpc>
-            </a:pPr>
-            <a:r>
-              <a:rPr lang="en-US" sz="3761">
-                <a:solidFill>
-                  <a:srgbClr val="0A152F"/>
-                </a:solidFill>
-                <a:latin typeface="Poppins"/>
-                <a:ea typeface="Poppins"/>
-                <a:cs typeface="Poppins"/>
-                <a:sym typeface="Poppins"/>
-              </a:rPr>
-              <a:t>Análisis de Datos de Salud para la Detección y Predicción de Enfermedades Respiratorias</a:t>
-            </a:r>
-          </a:p>
-        </p:txBody>
-      </p:sp>
-    </p:spTree>
-  </p:cSld>
-  <p:clrMapOvr>
-    <a:masterClrMapping/>
-  </p:clrMapOvr>
-</p:sld>
-</file>
-
-<file path=ppt/slides/slide20.xml><?xml version="1.0" encoding="utf-8"?>
+<file path=ppt/slides/slide19.xml><?xml version="1.0" encoding="utf-8"?>
 <p:sld xmlns:a="http://schemas.openxmlformats.org/drawingml/2006/main" xmlns:r="http://schemas.openxmlformats.org/officeDocument/2006/relationships" xmlns:p="http://schemas.openxmlformats.org/presentationml/2006/main">
   <p:cSld>
     <p:spTree>
@@ -9651,7 +8629,271 @@
 </p:sld>
 </file>
 
-<file path=ppt/slides/slide21.xml><?xml version="1.0" encoding="utf-8"?>
+<file path=ppt/slides/slide2.xml><?xml version="1.0" encoding="utf-8"?>
+<p:sld xmlns:a="http://schemas.openxmlformats.org/drawingml/2006/main" xmlns:r="http://schemas.openxmlformats.org/officeDocument/2006/relationships" xmlns:p="http://schemas.openxmlformats.org/presentationml/2006/main">
+  <p:cSld>
+    <p:spTree>
+      <p:nvGrpSpPr>
+        <p:cNvPr id="1" name=""/>
+        <p:cNvGrpSpPr/>
+        <p:nvPr/>
+      </p:nvGrpSpPr>
+      <p:grpSpPr>
+        <a:xfrm>
+          <a:off x="0" y="0"/>
+          <a:ext cx="0" cy="0"/>
+          <a:chOff x="0" y="0"/>
+          <a:chExt cx="0" cy="0"/>
+        </a:xfrm>
+      </p:grpSpPr>
+      <p:sp>
+        <p:nvSpPr>
+          <p:cNvPr id="2" name="Freeform 2"/>
+          <p:cNvSpPr/>
+          <p:nvPr/>
+        </p:nvSpPr>
+        <p:spPr>
+          <a:xfrm>
+            <a:off x="0" y="0"/>
+            <a:ext cx="18288000" cy="10287000"/>
+          </a:xfrm>
+          <a:custGeom>
+            <a:avLst/>
+            <a:gdLst/>
+            <a:ahLst/>
+            <a:cxnLst/>
+            <a:rect l="l" t="t" r="r" b="b"/>
+            <a:pathLst>
+              <a:path w="18288000" h="10287000">
+                <a:moveTo>
+                  <a:pt x="0" y="0"/>
+                </a:moveTo>
+                <a:lnTo>
+                  <a:pt x="18288000" y="0"/>
+                </a:lnTo>
+                <a:lnTo>
+                  <a:pt x="18288000" y="10287000"/>
+                </a:lnTo>
+                <a:lnTo>
+                  <a:pt x="0" y="10287000"/>
+                </a:lnTo>
+                <a:lnTo>
+                  <a:pt x="0" y="0"/>
+                </a:lnTo>
+                <a:close/>
+              </a:path>
+            </a:pathLst>
+          </a:custGeom>
+          <a:blipFill>
+            <a:blip r:embed="rId2"/>
+            <a:stretch>
+              <a:fillRect t="-814" b="-814"/>
+            </a:stretch>
+          </a:blipFill>
+        </p:spPr>
+      </p:sp>
+      <p:grpSp>
+        <p:nvGrpSpPr>
+          <p:cNvPr id="3" name="Group 3"/>
+          <p:cNvGrpSpPr/>
+          <p:nvPr/>
+        </p:nvGrpSpPr>
+        <p:grpSpPr>
+          <a:xfrm>
+            <a:off x="1634679" y="1442420"/>
+            <a:ext cx="15018641" cy="7402160"/>
+            <a:chOff x="0" y="0"/>
+            <a:chExt cx="3955527" cy="1949540"/>
+          </a:xfrm>
+        </p:grpSpPr>
+        <p:sp>
+          <p:nvSpPr>
+            <p:cNvPr id="4" name="Freeform 4"/>
+            <p:cNvSpPr/>
+            <p:nvPr/>
+          </p:nvSpPr>
+          <p:spPr>
+            <a:xfrm>
+              <a:off x="0" y="0"/>
+              <a:ext cx="3955527" cy="1949540"/>
+            </a:xfrm>
+            <a:custGeom>
+              <a:avLst/>
+              <a:gdLst/>
+              <a:ahLst/>
+              <a:cxnLst/>
+              <a:rect l="l" t="t" r="r" b="b"/>
+              <a:pathLst>
+                <a:path w="3955527" h="1949540">
+                  <a:moveTo>
+                    <a:pt x="26290" y="0"/>
+                  </a:moveTo>
+                  <a:lnTo>
+                    <a:pt x="3929237" y="0"/>
+                  </a:lnTo>
+                  <a:cubicBezTo>
+                    <a:pt x="3943757" y="0"/>
+                    <a:pt x="3955527" y="11770"/>
+                    <a:pt x="3955527" y="26290"/>
+                  </a:cubicBezTo>
+                  <a:lnTo>
+                    <a:pt x="3955527" y="1923250"/>
+                  </a:lnTo>
+                  <a:cubicBezTo>
+                    <a:pt x="3955527" y="1937770"/>
+                    <a:pt x="3943757" y="1949540"/>
+                    <a:pt x="3929237" y="1949540"/>
+                  </a:cubicBezTo>
+                  <a:lnTo>
+                    <a:pt x="26290" y="1949540"/>
+                  </a:lnTo>
+                  <a:cubicBezTo>
+                    <a:pt x="11770" y="1949540"/>
+                    <a:pt x="0" y="1937770"/>
+                    <a:pt x="0" y="1923250"/>
+                  </a:cubicBezTo>
+                  <a:lnTo>
+                    <a:pt x="0" y="26290"/>
+                  </a:lnTo>
+                  <a:cubicBezTo>
+                    <a:pt x="0" y="11770"/>
+                    <a:pt x="11770" y="0"/>
+                    <a:pt x="26290" y="0"/>
+                  </a:cubicBezTo>
+                  <a:close/>
+                </a:path>
+              </a:pathLst>
+            </a:custGeom>
+            <a:solidFill>
+              <a:srgbClr val="FFFFFF">
+                <a:alpha val="74902"/>
+              </a:srgbClr>
+            </a:solidFill>
+          </p:spPr>
+        </p:sp>
+        <p:sp>
+          <p:nvSpPr>
+            <p:cNvPr id="5" name="TextBox 5"/>
+            <p:cNvSpPr txBox="1"/>
+            <p:nvPr/>
+          </p:nvSpPr>
+          <p:spPr>
+            <a:xfrm>
+              <a:off x="0" y="-57150"/>
+              <a:ext cx="3955527" cy="2006690"/>
+            </a:xfrm>
+            <a:prstGeom prst="rect">
+              <a:avLst/>
+            </a:prstGeom>
+          </p:spPr>
+          <p:txBody>
+            <a:bodyPr lIns="50800" tIns="50800" rIns="50800" bIns="50800" rtlCol="0" anchor="ctr"/>
+            <a:lstStyle/>
+            <a:p>
+              <a:pPr algn="ctr">
+                <a:lnSpc>
+                  <a:spcPts val="2659"/>
+                </a:lnSpc>
+                <a:spcBef>
+                  <a:spcPct val="0"/>
+                </a:spcBef>
+              </a:pPr>
+              <a:endParaRPr/>
+            </a:p>
+          </p:txBody>
+        </p:sp>
+      </p:grpSp>
+      <p:sp>
+        <p:nvSpPr>
+          <p:cNvPr id="6" name="TextBox 6"/>
+          <p:cNvSpPr txBox="1"/>
+          <p:nvPr/>
+        </p:nvSpPr>
+        <p:spPr>
+          <a:xfrm>
+            <a:off x="5070972" y="2076154"/>
+            <a:ext cx="8146056" cy="1311686"/>
+          </a:xfrm>
+          <a:prstGeom prst="rect">
+            <a:avLst/>
+          </a:prstGeom>
+        </p:spPr>
+        <p:txBody>
+          <a:bodyPr lIns="0" tIns="0" rIns="0" bIns="0" rtlCol="0" anchor="t">
+            <a:spAutoFit/>
+          </a:bodyPr>
+          <a:lstStyle/>
+          <a:p>
+            <a:pPr algn="ctr">
+              <a:lnSpc>
+                <a:spcPts val="10127"/>
+              </a:lnSpc>
+            </a:pPr>
+            <a:r>
+              <a:rPr lang="en-US" sz="7233" b="1">
+                <a:solidFill>
+                  <a:srgbClr val="0A152F"/>
+                </a:solidFill>
+                <a:latin typeface="Poppins Bold"/>
+                <a:ea typeface="Poppins Bold"/>
+                <a:cs typeface="Poppins Bold"/>
+                <a:sym typeface="Poppins Bold"/>
+              </a:rPr>
+              <a:t>TEMA</a:t>
+            </a:r>
+          </a:p>
+        </p:txBody>
+      </p:sp>
+      <p:sp>
+        <p:nvSpPr>
+          <p:cNvPr id="7" name="TextBox 7"/>
+          <p:cNvSpPr txBox="1"/>
+          <p:nvPr/>
+        </p:nvSpPr>
+        <p:spPr>
+          <a:xfrm>
+            <a:off x="3787419" y="4490872"/>
+            <a:ext cx="10713163" cy="1342721"/>
+          </a:xfrm>
+          <a:prstGeom prst="rect">
+            <a:avLst/>
+          </a:prstGeom>
+        </p:spPr>
+        <p:txBody>
+          <a:bodyPr lIns="0" tIns="0" rIns="0" bIns="0" rtlCol="0" anchor="t">
+            <a:spAutoFit/>
+          </a:bodyPr>
+          <a:lstStyle/>
+          <a:p>
+            <a:pPr algn="ctr">
+              <a:lnSpc>
+                <a:spcPts val="5266"/>
+              </a:lnSpc>
+            </a:pPr>
+            <a:r>
+              <a:rPr lang="en-US" sz="3761">
+                <a:solidFill>
+                  <a:srgbClr val="0A152F"/>
+                </a:solidFill>
+                <a:latin typeface="Poppins"/>
+                <a:ea typeface="Poppins"/>
+                <a:cs typeface="Poppins"/>
+                <a:sym typeface="Poppins"/>
+              </a:rPr>
+              <a:t>Análisis de Datos de Salud para la Detección y Predicción de Enfermedades Respiratorias</a:t>
+            </a:r>
+          </a:p>
+        </p:txBody>
+      </p:sp>
+    </p:spTree>
+  </p:cSld>
+  <p:clrMapOvr>
+    <a:masterClrMapping/>
+  </p:clrMapOvr>
+</p:sld>
+</file>
+
+<file path=ppt/slides/slide20.xml><?xml version="1.0" encoding="utf-8"?>
 <p:sld xmlns:a="http://schemas.openxmlformats.org/drawingml/2006/main" xmlns:r="http://schemas.openxmlformats.org/officeDocument/2006/relationships" xmlns:p="http://schemas.openxmlformats.org/presentationml/2006/main">
   <p:cSld>
     <p:spTree>
